--- a/10.SystemDAndTheBootProcedure/10-SystemDAndTheBootProcedure.pptx
+++ b/10.SystemDAndTheBootProcedure/10-SystemDAndTheBootProcedure.pptx
@@ -5,10 +5,12 @@
     <p:sldMasterId id="2147483648" r:id="rId1"/>
   </p:sldMasterIdLst>
   <p:notesMasterIdLst>
-    <p:notesMasterId r:id="rId3"/>
+    <p:notesMasterId r:id="rId5"/>
   </p:notesMasterIdLst>
   <p:sldIdLst>
     <p:sldId id="284" r:id="rId2"/>
+    <p:sldId id="285" r:id="rId3"/>
+    <p:sldId id="286" r:id="rId4"/>
   </p:sldIdLst>
   <p:sldSz cx="9144000" cy="6858000" type="screen4x3"/>
   <p:notesSz cx="6858000" cy="9144000"/>
@@ -220,7 +222,7 @@
           <a:p>
             <a:fld id="{75861919-8521-4274-BB91-998CD62CEE44}" type="datetimeFigureOut">
               <a:rPr lang="en-US" smtClean="0"/>
-              <a:t>12/16/2016</a:t>
+              <a:t>12/19/2016</a:t>
             </a:fld>
             <a:endParaRPr lang="en-US"/>
           </a:p>
@@ -669,7 +671,7 @@
           <a:p>
             <a:fld id="{3EA744D9-3FBE-48D8-BF2A-85DF203E4D20}" type="datetimeFigureOut">
               <a:rPr lang="bg-BG" smtClean="0"/>
-              <a:t>16.12.2016 г.</a:t>
+              <a:t>19.12.2016 г.</a:t>
             </a:fld>
             <a:endParaRPr lang="bg-BG"/>
           </a:p>
@@ -839,7 +841,7 @@
           <a:p>
             <a:fld id="{3EA744D9-3FBE-48D8-BF2A-85DF203E4D20}" type="datetimeFigureOut">
               <a:rPr lang="bg-BG" smtClean="0"/>
-              <a:t>16.12.2016 г.</a:t>
+              <a:t>19.12.2016 г.</a:t>
             </a:fld>
             <a:endParaRPr lang="bg-BG"/>
           </a:p>
@@ -1019,7 +1021,7 @@
           <a:p>
             <a:fld id="{3EA744D9-3FBE-48D8-BF2A-85DF203E4D20}" type="datetimeFigureOut">
               <a:rPr lang="bg-BG" smtClean="0"/>
-              <a:t>16.12.2016 г.</a:t>
+              <a:t>19.12.2016 г.</a:t>
             </a:fld>
             <a:endParaRPr lang="bg-BG"/>
           </a:p>
@@ -1189,7 +1191,7 @@
           <a:p>
             <a:fld id="{3EA744D9-3FBE-48D8-BF2A-85DF203E4D20}" type="datetimeFigureOut">
               <a:rPr lang="bg-BG" smtClean="0"/>
-              <a:t>16.12.2016 г.</a:t>
+              <a:t>19.12.2016 г.</a:t>
             </a:fld>
             <a:endParaRPr lang="bg-BG"/>
           </a:p>
@@ -1435,7 +1437,7 @@
           <a:p>
             <a:fld id="{3EA744D9-3FBE-48D8-BF2A-85DF203E4D20}" type="datetimeFigureOut">
               <a:rPr lang="bg-BG" smtClean="0"/>
-              <a:t>16.12.2016 г.</a:t>
+              <a:t>19.12.2016 г.</a:t>
             </a:fld>
             <a:endParaRPr lang="bg-BG"/>
           </a:p>
@@ -1723,7 +1725,7 @@
           <a:p>
             <a:fld id="{3EA744D9-3FBE-48D8-BF2A-85DF203E4D20}" type="datetimeFigureOut">
               <a:rPr lang="bg-BG" smtClean="0"/>
-              <a:t>16.12.2016 г.</a:t>
+              <a:t>19.12.2016 г.</a:t>
             </a:fld>
             <a:endParaRPr lang="bg-BG"/>
           </a:p>
@@ -2145,7 +2147,7 @@
           <a:p>
             <a:fld id="{3EA744D9-3FBE-48D8-BF2A-85DF203E4D20}" type="datetimeFigureOut">
               <a:rPr lang="bg-BG" smtClean="0"/>
-              <a:t>16.12.2016 г.</a:t>
+              <a:t>19.12.2016 г.</a:t>
             </a:fld>
             <a:endParaRPr lang="bg-BG"/>
           </a:p>
@@ -2263,7 +2265,7 @@
           <a:p>
             <a:fld id="{3EA744D9-3FBE-48D8-BF2A-85DF203E4D20}" type="datetimeFigureOut">
               <a:rPr lang="bg-BG" smtClean="0"/>
-              <a:t>16.12.2016 г.</a:t>
+              <a:t>19.12.2016 г.</a:t>
             </a:fld>
             <a:endParaRPr lang="bg-BG"/>
           </a:p>
@@ -2358,7 +2360,7 @@
           <a:p>
             <a:fld id="{3EA744D9-3FBE-48D8-BF2A-85DF203E4D20}" type="datetimeFigureOut">
               <a:rPr lang="bg-BG" smtClean="0"/>
-              <a:t>16.12.2016 г.</a:t>
+              <a:t>19.12.2016 г.</a:t>
             </a:fld>
             <a:endParaRPr lang="bg-BG"/>
           </a:p>
@@ -2635,7 +2637,7 @@
           <a:p>
             <a:fld id="{3EA744D9-3FBE-48D8-BF2A-85DF203E4D20}" type="datetimeFigureOut">
               <a:rPr lang="bg-BG" smtClean="0"/>
-              <a:t>16.12.2016 г.</a:t>
+              <a:t>19.12.2016 г.</a:t>
             </a:fld>
             <a:endParaRPr lang="bg-BG"/>
           </a:p>
@@ -2888,7 +2890,7 @@
           <a:p>
             <a:fld id="{3EA744D9-3FBE-48D8-BF2A-85DF203E4D20}" type="datetimeFigureOut">
               <a:rPr lang="bg-BG" smtClean="0"/>
-              <a:t>16.12.2016 г.</a:t>
+              <a:t>19.12.2016 г.</a:t>
             </a:fld>
             <a:endParaRPr lang="bg-BG"/>
           </a:p>
@@ -3110,7 +3112,7 @@
           <a:p>
             <a:fld id="{3EA744D9-3FBE-48D8-BF2A-85DF203E4D20}" type="datetimeFigureOut">
               <a:rPr lang="bg-BG" smtClean="0"/>
-              <a:t>16.12.2016 г.</a:t>
+              <a:t>19.12.2016 г.</a:t>
             </a:fld>
             <a:endParaRPr lang="bg-BG"/>
           </a:p>
@@ -3615,10 +3617,1064 @@
           </a:p>
         </p:txBody>
       </p:sp>
+      <p:sp>
+        <p:nvSpPr>
+          <p:cNvPr id="3" name="TextBox 2"/>
+          <p:cNvSpPr txBox="1"/>
+          <p:nvPr/>
+        </p:nvSpPr>
+        <p:spPr>
+          <a:xfrm>
+            <a:off x="609600" y="914400"/>
+            <a:ext cx="7924800" cy="7017306"/>
+          </a:xfrm>
+          <a:prstGeom prst="rect">
+            <a:avLst/>
+          </a:prstGeom>
+          <a:noFill/>
+        </p:spPr>
+        <p:txBody>
+          <a:bodyPr wrap="square" rtlCol="0">
+            <a:spAutoFit/>
+          </a:bodyPr>
+          <a:lstStyle/>
+          <a:p>
+            <a:r>
+              <a:rPr lang="en-US" dirty="0" err="1" smtClean="0"/>
+              <a:t>S</a:t>
+            </a:r>
+            <a:r>
+              <a:rPr lang="en-US" dirty="0" err="1" smtClean="0">
+                <a:solidFill>
+                  <a:schemeClr val="accent6"/>
+                </a:solidFill>
+              </a:rPr>
+              <a:t>Systemd</a:t>
+            </a:r>
+            <a:r>
+              <a:rPr lang="en-US" dirty="0" smtClean="0">
+                <a:solidFill>
+                  <a:schemeClr val="accent6"/>
+                </a:solidFill>
+              </a:rPr>
+              <a:t> is the new service in RHEL distros that is responsible for starting all kinds of different services. </a:t>
+            </a:r>
+            <a:r>
+              <a:rPr lang="en-US" dirty="0" err="1" smtClean="0">
+                <a:solidFill>
+                  <a:schemeClr val="accent6"/>
+                </a:solidFill>
+              </a:rPr>
+              <a:t>Systemd</a:t>
+            </a:r>
+            <a:r>
+              <a:rPr lang="en-US" dirty="0" smtClean="0">
+                <a:solidFill>
+                  <a:schemeClr val="accent6"/>
+                </a:solidFill>
+              </a:rPr>
+              <a:t> is used to star stuff. The stuff is referred to as units.</a:t>
+            </a:r>
+          </a:p>
+          <a:p>
+            <a:endParaRPr lang="en-US" dirty="0">
+              <a:solidFill>
+                <a:schemeClr val="accent6"/>
+              </a:solidFill>
+            </a:endParaRPr>
+          </a:p>
+          <a:p>
+            <a:r>
+              <a:rPr lang="en-US" dirty="0" smtClean="0">
+                <a:solidFill>
+                  <a:schemeClr val="accent6"/>
+                </a:solidFill>
+              </a:rPr>
+              <a:t>The most important unit is called service. Apart from services, other unit types exist, such as socket, mounts … </a:t>
+            </a:r>
+          </a:p>
+          <a:p>
+            <a:endParaRPr lang="en-US" dirty="0">
+              <a:solidFill>
+                <a:schemeClr val="accent6"/>
+              </a:solidFill>
+            </a:endParaRPr>
+          </a:p>
+          <a:p>
+            <a:endParaRPr lang="en-US" dirty="0" smtClean="0">
+              <a:solidFill>
+                <a:schemeClr val="accent6"/>
+              </a:solidFill>
+            </a:endParaRPr>
+          </a:p>
+          <a:p>
+            <a:endParaRPr lang="en-US" dirty="0">
+              <a:solidFill>
+                <a:schemeClr val="accent6"/>
+              </a:solidFill>
+            </a:endParaRPr>
+          </a:p>
+          <a:p>
+            <a:endParaRPr lang="en-US" dirty="0" smtClean="0"/>
+          </a:p>
+          <a:p>
+            <a:endParaRPr lang="en-US" dirty="0"/>
+          </a:p>
+          <a:p>
+            <a:endParaRPr lang="en-US" dirty="0" smtClean="0"/>
+          </a:p>
+          <a:p>
+            <a:endParaRPr lang="en-US" dirty="0"/>
+          </a:p>
+          <a:p>
+            <a:endParaRPr lang="en-US" dirty="0" smtClean="0"/>
+          </a:p>
+          <a:p>
+            <a:endParaRPr lang="en-US" dirty="0"/>
+          </a:p>
+          <a:p>
+            <a:endParaRPr lang="en-US" dirty="0" smtClean="0"/>
+          </a:p>
+          <a:p>
+            <a:endParaRPr lang="en-US" dirty="0"/>
+          </a:p>
+          <a:p>
+            <a:endParaRPr lang="en-US" dirty="0" smtClean="0"/>
+          </a:p>
+          <a:p>
+            <a:endParaRPr lang="en-US" dirty="0"/>
+          </a:p>
+          <a:p>
+            <a:r>
+              <a:rPr lang="en-US" dirty="0" smtClean="0">
+                <a:solidFill>
+                  <a:srgbClr val="FF0000"/>
+                </a:solidFill>
+              </a:rPr>
+              <a:t>Exercises:</a:t>
+            </a:r>
+          </a:p>
+          <a:p>
+            <a:pPr marL="342900" indent="-342900">
+              <a:buAutoNum type="arabicPeriod"/>
+            </a:pPr>
+            <a:r>
+              <a:rPr lang="en-US" dirty="0">
+                <a:solidFill>
+                  <a:schemeClr val="accent6"/>
+                </a:solidFill>
+              </a:rPr>
+              <a:t>m</a:t>
+            </a:r>
+            <a:r>
+              <a:rPr lang="en-US" dirty="0" smtClean="0">
+                <a:solidFill>
+                  <a:schemeClr val="accent6"/>
+                </a:solidFill>
+              </a:rPr>
+              <a:t>an ‘</a:t>
+            </a:r>
+            <a:r>
+              <a:rPr lang="en-US" dirty="0" err="1" smtClean="0">
+                <a:solidFill>
+                  <a:schemeClr val="accent6"/>
+                </a:solidFill>
+              </a:rPr>
+              <a:t>systemd</a:t>
+            </a:r>
+            <a:r>
+              <a:rPr lang="en-US" dirty="0" smtClean="0">
+                <a:solidFill>
+                  <a:schemeClr val="accent6"/>
+                </a:solidFill>
+              </a:rPr>
+              <a:t>‘</a:t>
+            </a:r>
+          </a:p>
+          <a:p>
+            <a:pPr marL="342900" indent="-342900">
+              <a:buAutoNum type="arabicPeriod"/>
+            </a:pPr>
+            <a:r>
+              <a:rPr lang="en-US" dirty="0" smtClean="0">
+                <a:solidFill>
+                  <a:schemeClr val="accent6"/>
+                </a:solidFill>
+              </a:rPr>
+              <a:t>Which is the first process in Linux, according to the above man page ? </a:t>
+            </a:r>
+          </a:p>
+          <a:p>
+            <a:endParaRPr lang="en-US" dirty="0" smtClean="0">
+              <a:solidFill>
+                <a:schemeClr val="accent6"/>
+              </a:solidFill>
+            </a:endParaRPr>
+          </a:p>
+          <a:p>
+            <a:pPr marL="342900" indent="-342900">
+              <a:buAutoNum type="arabicPeriod"/>
+            </a:pPr>
+            <a:endParaRPr lang="en-US" dirty="0">
+              <a:solidFill>
+                <a:schemeClr val="accent6"/>
+              </a:solidFill>
+            </a:endParaRPr>
+          </a:p>
+          <a:p>
+            <a:pPr marL="342900" indent="-342900">
+              <a:buAutoNum type="arabicPeriod"/>
+            </a:pPr>
+            <a:endParaRPr lang="en-US" dirty="0" smtClean="0">
+              <a:solidFill>
+                <a:schemeClr val="accent6"/>
+              </a:solidFill>
+            </a:endParaRPr>
+          </a:p>
+          <a:p>
+            <a:pPr marL="342900" indent="-342900">
+              <a:buAutoNum type="arabicPeriod"/>
+            </a:pPr>
+            <a:endParaRPr lang="en-US" dirty="0">
+              <a:solidFill>
+                <a:schemeClr val="accent6"/>
+              </a:solidFill>
+            </a:endParaRPr>
+          </a:p>
+        </p:txBody>
+      </p:sp>
+      <p:pic>
+        <p:nvPicPr>
+          <p:cNvPr id="5" name="Picture 4"/>
+          <p:cNvPicPr>
+            <a:picLocks noChangeAspect="1"/>
+          </p:cNvPicPr>
+          <p:nvPr/>
+        </p:nvPicPr>
+        <p:blipFill>
+          <a:blip r:embed="rId2">
+            <a:extLst>
+              <a:ext uri="{28A0092B-C50C-407E-A947-70E740481C1C}">
+                <a14:useLocalDpi xmlns:a14="http://schemas.microsoft.com/office/drawing/2010/main" val="0"/>
+              </a:ext>
+            </a:extLst>
+          </a:blip>
+          <a:stretch>
+            <a:fillRect/>
+          </a:stretch>
+        </p:blipFill>
+        <p:spPr>
+          <a:xfrm>
+            <a:off x="2971800" y="2514600"/>
+            <a:ext cx="2362200" cy="3048000"/>
+          </a:xfrm>
+          <a:prstGeom prst="rect">
+            <a:avLst/>
+          </a:prstGeom>
+        </p:spPr>
+      </p:pic>
     </p:spTree>
     <p:extLst>
       <p:ext uri="{BB962C8B-B14F-4D97-AF65-F5344CB8AC3E}">
         <p14:creationId xmlns:p14="http://schemas.microsoft.com/office/powerpoint/2010/main" val="72178772"/>
+      </p:ext>
+    </p:extLst>
+  </p:cSld>
+  <p:clrMapOvr>
+    <a:masterClrMapping/>
+  </p:clrMapOvr>
+</p:sld>
+</file>
+
+<file path=ppt/slides/slide2.xml><?xml version="1.0" encoding="utf-8"?>
+<p:sld xmlns:a="http://schemas.openxmlformats.org/drawingml/2006/main" xmlns:r="http://schemas.openxmlformats.org/officeDocument/2006/relationships" xmlns:p="http://schemas.openxmlformats.org/presentationml/2006/main">
+  <p:cSld>
+    <p:spTree>
+      <p:nvGrpSpPr>
+        <p:cNvPr id="1" name=""/>
+        <p:cNvGrpSpPr/>
+        <p:nvPr/>
+      </p:nvGrpSpPr>
+      <p:grpSpPr>
+        <a:xfrm>
+          <a:off x="0" y="0"/>
+          <a:ext cx="0" cy="0"/>
+          <a:chOff x="0" y="0"/>
+          <a:chExt cx="0" cy="0"/>
+        </a:xfrm>
+      </p:grpSpPr>
+      <p:sp>
+        <p:nvSpPr>
+          <p:cNvPr id="2" name="Title 1"/>
+          <p:cNvSpPr>
+            <a:spLocks noGrp="1"/>
+          </p:cNvSpPr>
+          <p:nvPr>
+            <p:ph type="title"/>
+          </p:nvPr>
+        </p:nvSpPr>
+        <p:spPr/>
+        <p:txBody>
+          <a:bodyPr>
+            <a:normAutofit fontScale="90000"/>
+          </a:bodyPr>
+          <a:lstStyle/>
+          <a:p>
+            <a:r>
+              <a:rPr lang="en-US" sz="2400" dirty="0" smtClean="0"/>
+              <a:t>S</a:t>
+            </a:r>
+            <a:br>
+              <a:rPr lang="en-US" sz="2400" dirty="0" smtClean="0"/>
+            </a:br>
+            <a:r>
+              <a:rPr lang="en-US" sz="2400" dirty="0" err="1" smtClean="0">
+                <a:solidFill>
+                  <a:schemeClr val="accent6"/>
+                </a:solidFill>
+              </a:rPr>
+              <a:t>systemd</a:t>
+            </a:r>
+            <a:r>
+              <a:rPr lang="en-US" sz="2400" dirty="0" smtClean="0">
+                <a:solidFill>
+                  <a:schemeClr val="accent6"/>
+                </a:solidFill>
+              </a:rPr>
+              <a:t> replaced ‘</a:t>
+            </a:r>
+            <a:r>
+              <a:rPr lang="en-US" sz="2400" dirty="0" err="1" smtClean="0">
+                <a:solidFill>
+                  <a:schemeClr val="accent6"/>
+                </a:solidFill>
+              </a:rPr>
+              <a:t>init</a:t>
+            </a:r>
+            <a:r>
+              <a:rPr lang="en-US" sz="2400" dirty="0" smtClean="0">
+                <a:solidFill>
+                  <a:schemeClr val="accent6"/>
+                </a:solidFill>
+              </a:rPr>
+              <a:t>’ as a more flexible way to load services.  Instead of </a:t>
+            </a:r>
+            <a:r>
+              <a:rPr lang="en-US" sz="2400" dirty="0" err="1" smtClean="0">
+                <a:solidFill>
+                  <a:schemeClr val="accent6"/>
+                </a:solidFill>
+              </a:rPr>
+              <a:t>runlevels</a:t>
+            </a:r>
+            <a:r>
+              <a:rPr lang="en-US" sz="2400" dirty="0" smtClean="0">
+                <a:solidFill>
+                  <a:schemeClr val="accent6"/>
+                </a:solidFill>
+              </a:rPr>
+              <a:t>, now we are working with targets. </a:t>
+            </a:r>
+            <a:endParaRPr lang="en-US" sz="2400" dirty="0"/>
+          </a:p>
+        </p:txBody>
+      </p:sp>
+      <p:sp>
+        <p:nvSpPr>
+          <p:cNvPr id="3" name="Content Placeholder 2"/>
+          <p:cNvSpPr>
+            <a:spLocks noGrp="1"/>
+          </p:cNvSpPr>
+          <p:nvPr>
+            <p:ph idx="1"/>
+          </p:nvPr>
+        </p:nvSpPr>
+        <p:spPr/>
+        <p:txBody>
+          <a:bodyPr/>
+          <a:lstStyle/>
+          <a:p>
+            <a:endParaRPr lang="en-US" dirty="0" smtClean="0"/>
+          </a:p>
+          <a:p>
+            <a:endParaRPr lang="en-US" dirty="0"/>
+          </a:p>
+        </p:txBody>
+      </p:sp>
+      <p:pic>
+        <p:nvPicPr>
+          <p:cNvPr id="4" name="Picture 3"/>
+          <p:cNvPicPr>
+            <a:picLocks noChangeAspect="1"/>
+          </p:cNvPicPr>
+          <p:nvPr/>
+        </p:nvPicPr>
+        <p:blipFill>
+          <a:blip r:embed="rId2">
+            <a:extLst>
+              <a:ext uri="{28A0092B-C50C-407E-A947-70E740481C1C}">
+                <a14:useLocalDpi xmlns:a14="http://schemas.microsoft.com/office/drawing/2010/main" val="0"/>
+              </a:ext>
+            </a:extLst>
+          </a:blip>
+          <a:stretch>
+            <a:fillRect/>
+          </a:stretch>
+        </p:blipFill>
+        <p:spPr>
+          <a:xfrm>
+            <a:off x="799573" y="1600200"/>
+            <a:ext cx="7544853" cy="3458652"/>
+          </a:xfrm>
+          <a:prstGeom prst="rect">
+            <a:avLst/>
+          </a:prstGeom>
+        </p:spPr>
+      </p:pic>
+    </p:spTree>
+    <p:extLst>
+      <p:ext uri="{BB962C8B-B14F-4D97-AF65-F5344CB8AC3E}">
+        <p14:creationId xmlns:p14="http://schemas.microsoft.com/office/powerpoint/2010/main" val="2686683140"/>
+      </p:ext>
+    </p:extLst>
+  </p:cSld>
+  <p:clrMapOvr>
+    <a:masterClrMapping/>
+  </p:clrMapOvr>
+</p:sld>
+</file>
+
+<file path=ppt/slides/slide3.xml><?xml version="1.0" encoding="utf-8"?>
+<p:sld xmlns:a="http://schemas.openxmlformats.org/drawingml/2006/main" xmlns:r="http://schemas.openxmlformats.org/officeDocument/2006/relationships" xmlns:p="http://schemas.openxmlformats.org/presentationml/2006/main">
+  <p:cSld>
+    <p:spTree>
+      <p:nvGrpSpPr>
+        <p:cNvPr id="1" name=""/>
+        <p:cNvGrpSpPr/>
+        <p:nvPr/>
+      </p:nvGrpSpPr>
+      <p:grpSpPr>
+        <a:xfrm>
+          <a:off x="0" y="0"/>
+          <a:ext cx="0" cy="0"/>
+          <a:chOff x="0" y="0"/>
+          <a:chExt cx="0" cy="0"/>
+        </a:xfrm>
+      </p:grpSpPr>
+      <p:sp>
+        <p:nvSpPr>
+          <p:cNvPr id="2" name="Title 1"/>
+          <p:cNvSpPr>
+            <a:spLocks noGrp="1"/>
+          </p:cNvSpPr>
+          <p:nvPr>
+            <p:ph type="title"/>
+          </p:nvPr>
+        </p:nvSpPr>
+        <p:spPr/>
+        <p:txBody>
+          <a:bodyPr>
+            <a:normAutofit fontScale="90000"/>
+          </a:bodyPr>
+          <a:lstStyle/>
+          <a:p>
+            <a:r>
+              <a:rPr lang="en-US" sz="1800" dirty="0" smtClean="0"/>
+              <a:t/>
+            </a:r>
+            <a:br>
+              <a:rPr lang="en-US" sz="1800" dirty="0" smtClean="0"/>
+            </a:br>
+            <a:r>
+              <a:rPr lang="en-US" sz="1800" dirty="0"/>
+              <a:t/>
+            </a:r>
+            <a:br>
+              <a:rPr lang="en-US" sz="1800" dirty="0"/>
+            </a:br>
+            <a:r>
+              <a:rPr lang="en-US" sz="1800" dirty="0"/>
+              <a:t/>
+            </a:r>
+            <a:br>
+              <a:rPr lang="en-US" sz="1800" dirty="0"/>
+            </a:br>
+            <a:r>
+              <a:rPr lang="en-US" sz="1800" dirty="0" smtClean="0"/>
+              <a:t/>
+            </a:r>
+            <a:br>
+              <a:rPr lang="en-US" sz="1800" dirty="0" smtClean="0"/>
+            </a:br>
+            <a:r>
+              <a:rPr lang="en-US" sz="1800" dirty="0"/>
+              <a:t/>
+            </a:r>
+            <a:br>
+              <a:rPr lang="en-US" sz="1800" dirty="0"/>
+            </a:br>
+            <a:r>
+              <a:rPr lang="en-US" sz="1800" dirty="0" smtClean="0"/>
+              <a:t/>
+            </a:r>
+            <a:br>
+              <a:rPr lang="en-US" sz="1800" dirty="0" smtClean="0"/>
+            </a:br>
+            <a:r>
+              <a:rPr lang="en-US" sz="1800" dirty="0"/>
+              <a:t/>
+            </a:r>
+            <a:br>
+              <a:rPr lang="en-US" sz="1800" dirty="0"/>
+            </a:br>
+            <a:r>
+              <a:rPr lang="en-US" sz="1800" dirty="0" smtClean="0"/>
+              <a:t/>
+            </a:r>
+            <a:br>
+              <a:rPr lang="en-US" sz="1800" dirty="0" smtClean="0"/>
+            </a:br>
+            <a:r>
+              <a:rPr lang="en-US" sz="1800" dirty="0"/>
+              <a:t/>
+            </a:r>
+            <a:br>
+              <a:rPr lang="en-US" sz="1800" dirty="0"/>
+            </a:br>
+            <a:r>
+              <a:rPr lang="en-US" sz="1800" dirty="0" smtClean="0"/>
+              <a:t/>
+            </a:r>
+            <a:br>
+              <a:rPr lang="en-US" sz="1800" dirty="0" smtClean="0"/>
+            </a:br>
+            <a:r>
+              <a:rPr lang="en-US" sz="2000" dirty="0" smtClean="0">
+                <a:solidFill>
+                  <a:schemeClr val="accent6"/>
+                </a:solidFill>
+              </a:rPr>
+              <a:t>Exercises:</a:t>
+            </a:r>
+            <a:br>
+              <a:rPr lang="en-US" sz="2000" dirty="0" smtClean="0">
+                <a:solidFill>
+                  <a:schemeClr val="accent6"/>
+                </a:solidFill>
+              </a:rPr>
+            </a:br>
+            <a:r>
+              <a:rPr lang="en-US" sz="2000" dirty="0" smtClean="0">
+                <a:solidFill>
+                  <a:schemeClr val="accent6"/>
+                </a:solidFill>
+              </a:rPr>
+              <a:t/>
+            </a:r>
+            <a:br>
+              <a:rPr lang="en-US" sz="2000" dirty="0" smtClean="0">
+                <a:solidFill>
+                  <a:schemeClr val="accent6"/>
+                </a:solidFill>
+              </a:rPr>
+            </a:br>
+            <a:r>
+              <a:rPr lang="en-US" sz="2000" dirty="0">
+                <a:solidFill>
+                  <a:schemeClr val="accent6"/>
+                </a:solidFill>
+              </a:rPr>
+              <a:t/>
+            </a:r>
+            <a:br>
+              <a:rPr lang="en-US" sz="2000" dirty="0">
+                <a:solidFill>
+                  <a:schemeClr val="accent6"/>
+                </a:solidFill>
+              </a:rPr>
+            </a:br>
+            <a:r>
+              <a:rPr lang="en-US" sz="2000" dirty="0" smtClean="0">
+                <a:solidFill>
+                  <a:schemeClr val="accent6"/>
+                </a:solidFill>
+              </a:rPr>
+              <a:t/>
+            </a:r>
+            <a:br>
+              <a:rPr lang="en-US" sz="2000" dirty="0" smtClean="0">
+                <a:solidFill>
+                  <a:schemeClr val="accent6"/>
+                </a:solidFill>
+              </a:rPr>
+            </a:br>
+            <a:r>
+              <a:rPr lang="en-US" sz="2000" dirty="0">
+                <a:solidFill>
+                  <a:schemeClr val="accent6"/>
+                </a:solidFill>
+              </a:rPr>
+              <a:t/>
+            </a:r>
+            <a:br>
+              <a:rPr lang="en-US" sz="2000" dirty="0">
+                <a:solidFill>
+                  <a:schemeClr val="accent6"/>
+                </a:solidFill>
+              </a:rPr>
+            </a:br>
+            <a:r>
+              <a:rPr lang="en-US" sz="2000" dirty="0" smtClean="0">
+                <a:solidFill>
+                  <a:schemeClr val="accent6"/>
+                </a:solidFill>
+              </a:rPr>
+              <a:t/>
+            </a:r>
+            <a:br>
+              <a:rPr lang="en-US" sz="2000" dirty="0" smtClean="0">
+                <a:solidFill>
+                  <a:schemeClr val="accent6"/>
+                </a:solidFill>
+              </a:rPr>
+            </a:br>
+            <a:r>
+              <a:rPr lang="en-US" sz="2000" dirty="0" smtClean="0">
+                <a:solidFill>
+                  <a:schemeClr val="accent6"/>
+                </a:solidFill>
+              </a:rPr>
+              <a:t>1. </a:t>
+            </a:r>
+            <a:r>
+              <a:rPr lang="en-US" sz="2000" dirty="0" err="1" smtClean="0">
+                <a:solidFill>
+                  <a:schemeClr val="accent6"/>
+                </a:solidFill>
+              </a:rPr>
+              <a:t>systemctl</a:t>
+            </a:r>
+            <a:r>
+              <a:rPr lang="en-US" sz="2000" dirty="0" smtClean="0">
+                <a:solidFill>
+                  <a:schemeClr val="accent6"/>
+                </a:solidFill>
+              </a:rPr>
+              <a:t> –t help</a:t>
+            </a:r>
+            <a:br>
+              <a:rPr lang="en-US" sz="2000" dirty="0" smtClean="0">
+                <a:solidFill>
+                  <a:schemeClr val="accent6"/>
+                </a:solidFill>
+              </a:rPr>
+            </a:br>
+            <a:r>
+              <a:rPr lang="en-US" sz="2000" dirty="0" smtClean="0">
+                <a:solidFill>
+                  <a:schemeClr val="accent6"/>
+                </a:solidFill>
+              </a:rPr>
+              <a:t/>
+            </a:r>
+            <a:br>
+              <a:rPr lang="en-US" sz="2000" dirty="0" smtClean="0">
+                <a:solidFill>
+                  <a:schemeClr val="accent6"/>
+                </a:solidFill>
+              </a:rPr>
+            </a:br>
+            <a:r>
+              <a:rPr lang="en-US" sz="2000" dirty="0" smtClean="0">
+                <a:solidFill>
+                  <a:schemeClr val="accent6"/>
+                </a:solidFill>
+              </a:rPr>
+              <a:t>The major benefit of working with system is that it provides a uniform interface to start unites. This </a:t>
+            </a:r>
+            <a:r>
+              <a:rPr lang="en-US" sz="2000" dirty="0" err="1" smtClean="0">
+                <a:solidFill>
+                  <a:schemeClr val="accent6"/>
+                </a:solidFill>
+              </a:rPr>
+              <a:t>insterface</a:t>
+            </a:r>
+            <a:r>
+              <a:rPr lang="en-US" sz="2000" dirty="0" smtClean="0">
+                <a:solidFill>
+                  <a:schemeClr val="accent6"/>
+                </a:solidFill>
+              </a:rPr>
+              <a:t> is defined in the unit file. The system unit files are in /</a:t>
+            </a:r>
+            <a:r>
+              <a:rPr lang="en-US" sz="2000" dirty="0" err="1" smtClean="0">
+                <a:solidFill>
+                  <a:schemeClr val="accent6"/>
+                </a:solidFill>
+              </a:rPr>
+              <a:t>usr</a:t>
+            </a:r>
+            <a:r>
+              <a:rPr lang="en-US" sz="2000" dirty="0" smtClean="0">
+                <a:solidFill>
+                  <a:schemeClr val="accent6"/>
+                </a:solidFill>
+              </a:rPr>
+              <a:t>/lib/</a:t>
+            </a:r>
+            <a:r>
+              <a:rPr lang="en-US" sz="2000" dirty="0" err="1" smtClean="0">
+                <a:solidFill>
+                  <a:schemeClr val="accent6"/>
+                </a:solidFill>
+              </a:rPr>
+              <a:t>systemd</a:t>
+            </a:r>
+            <a:r>
+              <a:rPr lang="en-US" sz="2000" dirty="0" smtClean="0">
+                <a:solidFill>
+                  <a:schemeClr val="accent6"/>
+                </a:solidFill>
+              </a:rPr>
+              <a:t>/system</a:t>
+            </a:r>
+            <a:br>
+              <a:rPr lang="en-US" sz="2000" dirty="0" smtClean="0">
+                <a:solidFill>
+                  <a:schemeClr val="accent6"/>
+                </a:solidFill>
+              </a:rPr>
+            </a:br>
+            <a:r>
+              <a:rPr lang="en-US" sz="2000" dirty="0" smtClean="0">
+                <a:solidFill>
+                  <a:schemeClr val="accent6"/>
+                </a:solidFill>
+              </a:rPr>
+              <a:t/>
+            </a:r>
+            <a:br>
+              <a:rPr lang="en-US" sz="2000" dirty="0" smtClean="0">
+                <a:solidFill>
+                  <a:schemeClr val="accent6"/>
+                </a:solidFill>
+              </a:rPr>
+            </a:br>
+            <a:r>
+              <a:rPr lang="en-US" sz="2000" dirty="0" smtClean="0">
+                <a:solidFill>
+                  <a:schemeClr val="accent6"/>
+                </a:solidFill>
+              </a:rPr>
+              <a:t>Exercises:</a:t>
+            </a:r>
+            <a:br>
+              <a:rPr lang="en-US" sz="2000" dirty="0" smtClean="0">
+                <a:solidFill>
+                  <a:schemeClr val="accent6"/>
+                </a:solidFill>
+              </a:rPr>
+            </a:br>
+            <a:r>
+              <a:rPr lang="en-US" sz="2000" dirty="0" smtClean="0">
+                <a:solidFill>
+                  <a:schemeClr val="accent6"/>
+                </a:solidFill>
+              </a:rPr>
+              <a:t>1. SYSTEMDD=/</a:t>
+            </a:r>
+            <a:r>
+              <a:rPr lang="en-US" sz="2000" dirty="0" err="1" smtClean="0">
+                <a:solidFill>
+                  <a:schemeClr val="accent6"/>
+                </a:solidFill>
+              </a:rPr>
+              <a:t>usr</a:t>
+            </a:r>
+            <a:r>
+              <a:rPr lang="en-US" sz="2000" dirty="0" smtClean="0">
+                <a:solidFill>
+                  <a:schemeClr val="accent6"/>
+                </a:solidFill>
+              </a:rPr>
+              <a:t>/lib/</a:t>
+            </a:r>
+            <a:r>
+              <a:rPr lang="en-US" sz="2000" dirty="0" err="1" smtClean="0">
+                <a:solidFill>
+                  <a:schemeClr val="accent6"/>
+                </a:solidFill>
+              </a:rPr>
+              <a:t>systemd</a:t>
+            </a:r>
+            <a:r>
+              <a:rPr lang="en-US" sz="2000" dirty="0" smtClean="0">
+                <a:solidFill>
+                  <a:schemeClr val="accent6"/>
+                </a:solidFill>
+              </a:rPr>
+              <a:t>/system</a:t>
+            </a:r>
+            <a:br>
+              <a:rPr lang="en-US" sz="2000" dirty="0" smtClean="0">
+                <a:solidFill>
+                  <a:schemeClr val="accent6"/>
+                </a:solidFill>
+              </a:rPr>
+            </a:br>
+            <a:r>
+              <a:rPr lang="en-US" sz="2000" dirty="0" smtClean="0">
+                <a:solidFill>
+                  <a:schemeClr val="accent6"/>
+                </a:solidFill>
+              </a:rPr>
+              <a:t>2. cd $SYSTEMDD</a:t>
+            </a:r>
+            <a:br>
+              <a:rPr lang="en-US" sz="2000" dirty="0" smtClean="0">
+                <a:solidFill>
+                  <a:schemeClr val="accent6"/>
+                </a:solidFill>
+              </a:rPr>
+            </a:br>
+            <a:r>
+              <a:rPr lang="en-US" sz="2000" dirty="0" smtClean="0">
+                <a:solidFill>
+                  <a:schemeClr val="accent6"/>
+                </a:solidFill>
+              </a:rPr>
+              <a:t>3. </a:t>
+            </a:r>
+            <a:r>
+              <a:rPr lang="en-US" sz="2000" dirty="0" err="1" smtClean="0">
+                <a:solidFill>
+                  <a:schemeClr val="accent6"/>
+                </a:solidFill>
+              </a:rPr>
+              <a:t>pwd</a:t>
+            </a:r>
+            <a:r>
+              <a:rPr lang="en-US" sz="2000" dirty="0" smtClean="0">
+                <a:solidFill>
+                  <a:schemeClr val="accent6"/>
+                </a:solidFill>
+              </a:rPr>
+              <a:t/>
+            </a:r>
+            <a:br>
+              <a:rPr lang="en-US" sz="2000" dirty="0" smtClean="0">
+                <a:solidFill>
+                  <a:schemeClr val="accent6"/>
+                </a:solidFill>
+              </a:rPr>
+            </a:br>
+            <a:r>
+              <a:rPr lang="en-US" sz="2000" dirty="0" smtClean="0">
+                <a:solidFill>
+                  <a:schemeClr val="accent6"/>
+                </a:solidFill>
+              </a:rPr>
+              <a:t>4. file </a:t>
+            </a:r>
+            <a:r>
+              <a:rPr lang="en-US" sz="2000" dirty="0" err="1" smtClean="0">
+                <a:solidFill>
+                  <a:schemeClr val="accent6"/>
+                </a:solidFill>
+              </a:rPr>
+              <a:t>default.target</a:t>
+            </a:r>
+            <a:r>
+              <a:rPr lang="en-US" sz="2000" dirty="0" smtClean="0">
+                <a:solidFill>
+                  <a:schemeClr val="accent6"/>
+                </a:solidFill>
+              </a:rPr>
+              <a:t/>
+            </a:r>
+            <a:br>
+              <a:rPr lang="en-US" sz="2000" dirty="0" smtClean="0">
+                <a:solidFill>
+                  <a:schemeClr val="accent6"/>
+                </a:solidFill>
+              </a:rPr>
+            </a:br>
+            <a:r>
+              <a:rPr lang="en-US" sz="2000" dirty="0" smtClean="0">
+                <a:solidFill>
+                  <a:schemeClr val="accent6"/>
+                </a:solidFill>
+              </a:rPr>
+              <a:t>5. cat </a:t>
+            </a:r>
+            <a:r>
+              <a:rPr lang="en-US" sz="2000" dirty="0" err="1" smtClean="0">
+                <a:solidFill>
+                  <a:schemeClr val="accent6"/>
+                </a:solidFill>
+              </a:rPr>
+              <a:t>default.target</a:t>
+            </a:r>
+            <a:r>
+              <a:rPr lang="en-US" sz="2000" dirty="0">
+                <a:solidFill>
+                  <a:schemeClr val="accent6"/>
+                </a:solidFill>
+              </a:rPr>
+              <a:t/>
+            </a:r>
+            <a:br>
+              <a:rPr lang="en-US" sz="2000" dirty="0">
+                <a:solidFill>
+                  <a:schemeClr val="accent6"/>
+                </a:solidFill>
+              </a:rPr>
+            </a:br>
+            <a:r>
+              <a:rPr lang="en-US" sz="2000" dirty="0" smtClean="0">
+                <a:solidFill>
+                  <a:schemeClr val="accent6"/>
+                </a:solidFill>
+              </a:rPr>
+              <a:t/>
+            </a:r>
+            <a:br>
+              <a:rPr lang="en-US" sz="2000" dirty="0" smtClean="0">
+                <a:solidFill>
+                  <a:schemeClr val="accent6"/>
+                </a:solidFill>
+              </a:rPr>
+            </a:br>
+            <a:r>
+              <a:rPr lang="en-US" sz="2000" dirty="0" smtClean="0">
+                <a:solidFill>
+                  <a:schemeClr val="accent6"/>
+                </a:solidFill>
+              </a:rPr>
+              <a:t>Overriding the default configurations happens in /</a:t>
+            </a:r>
+            <a:r>
+              <a:rPr lang="en-US" sz="2000" dirty="0" err="1" smtClean="0">
+                <a:solidFill>
+                  <a:schemeClr val="accent6"/>
+                </a:solidFill>
+              </a:rPr>
+              <a:t>etc</a:t>
+            </a:r>
+            <a:r>
+              <a:rPr lang="en-US" sz="2000" dirty="0" smtClean="0">
+                <a:solidFill>
+                  <a:schemeClr val="accent6"/>
+                </a:solidFill>
+              </a:rPr>
+              <a:t>/</a:t>
+            </a:r>
+            <a:r>
+              <a:rPr lang="en-US" sz="2000" dirty="0" err="1" smtClean="0">
+                <a:solidFill>
+                  <a:schemeClr val="accent6"/>
+                </a:solidFill>
+              </a:rPr>
+              <a:t>systemd</a:t>
+            </a:r>
+            <a:r>
+              <a:rPr lang="en-US" sz="2000" dirty="0" smtClean="0">
+                <a:solidFill>
+                  <a:schemeClr val="accent6"/>
+                </a:solidFill>
+              </a:rPr>
+              <a:t>/system</a:t>
+            </a:r>
+            <a:br>
+              <a:rPr lang="en-US" sz="2000" dirty="0" smtClean="0">
+                <a:solidFill>
+                  <a:schemeClr val="accent6"/>
+                </a:solidFill>
+              </a:rPr>
+            </a:br>
+            <a:r>
+              <a:rPr lang="en-US" sz="2000" dirty="0">
+                <a:solidFill>
+                  <a:schemeClr val="accent6"/>
+                </a:solidFill>
+              </a:rPr>
+              <a:t/>
+            </a:r>
+            <a:br>
+              <a:rPr lang="en-US" sz="2000" dirty="0">
+                <a:solidFill>
+                  <a:schemeClr val="accent6"/>
+                </a:solidFill>
+              </a:rPr>
+            </a:br>
+            <a:r>
+              <a:rPr lang="en-US" sz="2000" dirty="0" smtClean="0">
+                <a:solidFill>
+                  <a:schemeClr val="accent6"/>
+                </a:solidFill>
+              </a:rPr>
+              <a:t>You would rarely </a:t>
+            </a:r>
+            <a:r>
+              <a:rPr lang="en-US" sz="2000" dirty="0" err="1" smtClean="0">
+                <a:solidFill>
+                  <a:schemeClr val="accent6"/>
+                </a:solidFill>
+              </a:rPr>
+              <a:t>config</a:t>
+            </a:r>
+            <a:r>
+              <a:rPr lang="en-US" sz="2000" dirty="0" smtClean="0">
+                <a:solidFill>
+                  <a:schemeClr val="accent6"/>
+                </a:solidFill>
+              </a:rPr>
+              <a:t> your own unit, so do not focus too much on the units content, instead focus on controlling them.</a:t>
+            </a:r>
+            <a:endParaRPr lang="en-US" sz="2000" dirty="0"/>
+          </a:p>
+        </p:txBody>
+      </p:sp>
+      <p:sp>
+        <p:nvSpPr>
+          <p:cNvPr id="3" name="Content Placeholder 2"/>
+          <p:cNvSpPr>
+            <a:spLocks noGrp="1"/>
+          </p:cNvSpPr>
+          <p:nvPr>
+            <p:ph idx="1"/>
+          </p:nvPr>
+        </p:nvSpPr>
+        <p:spPr/>
+        <p:txBody>
+          <a:bodyPr/>
+          <a:lstStyle/>
+          <a:p>
+            <a:endParaRPr lang="en-US" dirty="0" smtClean="0"/>
+          </a:p>
+          <a:p>
+            <a:endParaRPr lang="en-US" dirty="0"/>
+          </a:p>
+          <a:p>
+            <a:endParaRPr lang="en-US" dirty="0" smtClean="0"/>
+          </a:p>
+          <a:p>
+            <a:endParaRPr lang="en-US" dirty="0"/>
+          </a:p>
+          <a:p>
+            <a:endParaRPr lang="en-US" dirty="0" smtClean="0"/>
+          </a:p>
+          <a:p>
+            <a:endParaRPr lang="en-US" dirty="0"/>
+          </a:p>
+        </p:txBody>
+      </p:sp>
+    </p:spTree>
+    <p:extLst>
+      <p:ext uri="{BB962C8B-B14F-4D97-AF65-F5344CB8AC3E}">
+        <p14:creationId xmlns:p14="http://schemas.microsoft.com/office/powerpoint/2010/main" val="3054123258"/>
       </p:ext>
     </p:extLst>
   </p:cSld>

--- a/10.SystemDAndTheBootProcedure/10-SystemDAndTheBootProcedure.pptx
+++ b/10.SystemDAndTheBootProcedure/10-SystemDAndTheBootProcedure.pptx
@@ -5,12 +5,19 @@
     <p:sldMasterId id="2147483648" r:id="rId1"/>
   </p:sldMasterIdLst>
   <p:notesMasterIdLst>
-    <p:notesMasterId r:id="rId5"/>
+    <p:notesMasterId r:id="rId12"/>
   </p:notesMasterIdLst>
   <p:sldIdLst>
     <p:sldId id="284" r:id="rId2"/>
     <p:sldId id="285" r:id="rId3"/>
     <p:sldId id="286" r:id="rId4"/>
+    <p:sldId id="287" r:id="rId5"/>
+    <p:sldId id="288" r:id="rId6"/>
+    <p:sldId id="289" r:id="rId7"/>
+    <p:sldId id="290" r:id="rId8"/>
+    <p:sldId id="291" r:id="rId9"/>
+    <p:sldId id="292" r:id="rId10"/>
+    <p:sldId id="293" r:id="rId11"/>
   </p:sldIdLst>
   <p:sldSz cx="9144000" cy="6858000" type="screen4x3"/>
   <p:notesSz cx="6858000" cy="9144000"/>
@@ -222,7 +229,7 @@
           <a:p>
             <a:fld id="{75861919-8521-4274-BB91-998CD62CEE44}" type="datetimeFigureOut">
               <a:rPr lang="en-US" smtClean="0"/>
-              <a:t>12/19/2016</a:t>
+              <a:t>12/20/2016</a:t>
             </a:fld>
             <a:endParaRPr lang="en-US"/>
           </a:p>
@@ -490,6 +497,90 @@
 </p:notesMaster>
 </file>
 
+<file path=ppt/notesSlides/notesSlide1.xml><?xml version="1.0" encoding="utf-8"?>
+<p:notes xmlns:a="http://schemas.openxmlformats.org/drawingml/2006/main" xmlns:r="http://schemas.openxmlformats.org/officeDocument/2006/relationships" xmlns:p="http://schemas.openxmlformats.org/presentationml/2006/main">
+  <p:cSld>
+    <p:spTree>
+      <p:nvGrpSpPr>
+        <p:cNvPr id="1" name=""/>
+        <p:cNvGrpSpPr/>
+        <p:nvPr/>
+      </p:nvGrpSpPr>
+      <p:grpSpPr>
+        <a:xfrm>
+          <a:off x="0" y="0"/>
+          <a:ext cx="0" cy="0"/>
+          <a:chOff x="0" y="0"/>
+          <a:chExt cx="0" cy="0"/>
+        </a:xfrm>
+      </p:grpSpPr>
+      <p:sp>
+        <p:nvSpPr>
+          <p:cNvPr id="2" name="Slide Image Placeholder 1"/>
+          <p:cNvSpPr>
+            <a:spLocks noGrp="1" noRot="1" noChangeAspect="1"/>
+          </p:cNvSpPr>
+          <p:nvPr>
+            <p:ph type="sldImg"/>
+          </p:nvPr>
+        </p:nvSpPr>
+        <p:spPr/>
+      </p:sp>
+      <p:sp>
+        <p:nvSpPr>
+          <p:cNvPr id="3" name="Notes Placeholder 2"/>
+          <p:cNvSpPr>
+            <a:spLocks noGrp="1"/>
+          </p:cNvSpPr>
+          <p:nvPr>
+            <p:ph type="body" idx="1"/>
+          </p:nvPr>
+        </p:nvSpPr>
+        <p:spPr/>
+        <p:txBody>
+          <a:bodyPr/>
+          <a:lstStyle/>
+          <a:p>
+            <a:endParaRPr lang="en-US"/>
+          </a:p>
+        </p:txBody>
+      </p:sp>
+      <p:sp>
+        <p:nvSpPr>
+          <p:cNvPr id="4" name="Slide Number Placeholder 3"/>
+          <p:cNvSpPr>
+            <a:spLocks noGrp="1"/>
+          </p:cNvSpPr>
+          <p:nvPr>
+            <p:ph type="sldNum" sz="quarter" idx="10"/>
+          </p:nvPr>
+        </p:nvSpPr>
+        <p:spPr/>
+        <p:txBody>
+          <a:bodyPr/>
+          <a:lstStyle/>
+          <a:p>
+            <a:fld id="{2A2BCF9D-D7FD-459D-AAE8-97A0158967F9}" type="slidenum">
+              <a:rPr lang="en-US" smtClean="0"/>
+              <a:t>7</a:t>
+            </a:fld>
+            <a:endParaRPr lang="en-US"/>
+          </a:p>
+        </p:txBody>
+      </p:sp>
+    </p:spTree>
+    <p:extLst>
+      <p:ext uri="{BB962C8B-B14F-4D97-AF65-F5344CB8AC3E}">
+        <p14:creationId xmlns:p14="http://schemas.microsoft.com/office/powerpoint/2010/main" val="656621607"/>
+      </p:ext>
+    </p:extLst>
+  </p:cSld>
+  <p:clrMapOvr>
+    <a:masterClrMapping/>
+  </p:clrMapOvr>
+</p:notes>
+</file>
+
 <file path=ppt/slideLayouts/slideLayout1.xml><?xml version="1.0" encoding="utf-8"?>
 <p:sldLayout xmlns:a="http://schemas.openxmlformats.org/drawingml/2006/main" xmlns:r="http://schemas.openxmlformats.org/officeDocument/2006/relationships" xmlns:p="http://schemas.openxmlformats.org/presentationml/2006/main" type="title" preserve="1">
   <p:cSld name="Title Slide">
@@ -671,7 +762,7 @@
           <a:p>
             <a:fld id="{3EA744D9-3FBE-48D8-BF2A-85DF203E4D20}" type="datetimeFigureOut">
               <a:rPr lang="bg-BG" smtClean="0"/>
-              <a:t>19.12.2016 г.</a:t>
+              <a:t>20.12.2016 г.</a:t>
             </a:fld>
             <a:endParaRPr lang="bg-BG"/>
           </a:p>
@@ -841,7 +932,7 @@
           <a:p>
             <a:fld id="{3EA744D9-3FBE-48D8-BF2A-85DF203E4D20}" type="datetimeFigureOut">
               <a:rPr lang="bg-BG" smtClean="0"/>
-              <a:t>19.12.2016 г.</a:t>
+              <a:t>20.12.2016 г.</a:t>
             </a:fld>
             <a:endParaRPr lang="bg-BG"/>
           </a:p>
@@ -1021,7 +1112,7 @@
           <a:p>
             <a:fld id="{3EA744D9-3FBE-48D8-BF2A-85DF203E4D20}" type="datetimeFigureOut">
               <a:rPr lang="bg-BG" smtClean="0"/>
-              <a:t>19.12.2016 г.</a:t>
+              <a:t>20.12.2016 г.</a:t>
             </a:fld>
             <a:endParaRPr lang="bg-BG"/>
           </a:p>
@@ -1191,7 +1282,7 @@
           <a:p>
             <a:fld id="{3EA744D9-3FBE-48D8-BF2A-85DF203E4D20}" type="datetimeFigureOut">
               <a:rPr lang="bg-BG" smtClean="0"/>
-              <a:t>19.12.2016 г.</a:t>
+              <a:t>20.12.2016 г.</a:t>
             </a:fld>
             <a:endParaRPr lang="bg-BG"/>
           </a:p>
@@ -1437,7 +1528,7 @@
           <a:p>
             <a:fld id="{3EA744D9-3FBE-48D8-BF2A-85DF203E4D20}" type="datetimeFigureOut">
               <a:rPr lang="bg-BG" smtClean="0"/>
-              <a:t>19.12.2016 г.</a:t>
+              <a:t>20.12.2016 г.</a:t>
             </a:fld>
             <a:endParaRPr lang="bg-BG"/>
           </a:p>
@@ -1725,7 +1816,7 @@
           <a:p>
             <a:fld id="{3EA744D9-3FBE-48D8-BF2A-85DF203E4D20}" type="datetimeFigureOut">
               <a:rPr lang="bg-BG" smtClean="0"/>
-              <a:t>19.12.2016 г.</a:t>
+              <a:t>20.12.2016 г.</a:t>
             </a:fld>
             <a:endParaRPr lang="bg-BG"/>
           </a:p>
@@ -2147,7 +2238,7 @@
           <a:p>
             <a:fld id="{3EA744D9-3FBE-48D8-BF2A-85DF203E4D20}" type="datetimeFigureOut">
               <a:rPr lang="bg-BG" smtClean="0"/>
-              <a:t>19.12.2016 г.</a:t>
+              <a:t>20.12.2016 г.</a:t>
             </a:fld>
             <a:endParaRPr lang="bg-BG"/>
           </a:p>
@@ -2265,7 +2356,7 @@
           <a:p>
             <a:fld id="{3EA744D9-3FBE-48D8-BF2A-85DF203E4D20}" type="datetimeFigureOut">
               <a:rPr lang="bg-BG" smtClean="0"/>
-              <a:t>19.12.2016 г.</a:t>
+              <a:t>20.12.2016 г.</a:t>
             </a:fld>
             <a:endParaRPr lang="bg-BG"/>
           </a:p>
@@ -2360,7 +2451,7 @@
           <a:p>
             <a:fld id="{3EA744D9-3FBE-48D8-BF2A-85DF203E4D20}" type="datetimeFigureOut">
               <a:rPr lang="bg-BG" smtClean="0"/>
-              <a:t>19.12.2016 г.</a:t>
+              <a:t>20.12.2016 г.</a:t>
             </a:fld>
             <a:endParaRPr lang="bg-BG"/>
           </a:p>
@@ -2637,7 +2728,7 @@
           <a:p>
             <a:fld id="{3EA744D9-3FBE-48D8-BF2A-85DF203E4D20}" type="datetimeFigureOut">
               <a:rPr lang="bg-BG" smtClean="0"/>
-              <a:t>19.12.2016 г.</a:t>
+              <a:t>20.12.2016 г.</a:t>
             </a:fld>
             <a:endParaRPr lang="bg-BG"/>
           </a:p>
@@ -2890,7 +2981,7 @@
           <a:p>
             <a:fld id="{3EA744D9-3FBE-48D8-BF2A-85DF203E4D20}" type="datetimeFigureOut">
               <a:rPr lang="bg-BG" smtClean="0"/>
-              <a:t>19.12.2016 г.</a:t>
+              <a:t>20.12.2016 г.</a:t>
             </a:fld>
             <a:endParaRPr lang="bg-BG"/>
           </a:p>
@@ -3112,7 +3203,7 @@
           <a:p>
             <a:fld id="{3EA744D9-3FBE-48D8-BF2A-85DF203E4D20}" type="datetimeFigureOut">
               <a:rPr lang="bg-BG" smtClean="0"/>
-              <a:t>19.12.2016 г.</a:t>
+              <a:t>20.12.2016 г.</a:t>
             </a:fld>
             <a:endParaRPr lang="bg-BG"/>
           </a:p>
@@ -3886,6 +3977,223 @@
 </p:sld>
 </file>
 
+<file path=ppt/slides/slide10.xml><?xml version="1.0" encoding="utf-8"?>
+<p:sld xmlns:a="http://schemas.openxmlformats.org/drawingml/2006/main" xmlns:r="http://schemas.openxmlformats.org/officeDocument/2006/relationships" xmlns:p="http://schemas.openxmlformats.org/presentationml/2006/main">
+  <p:cSld>
+    <p:spTree>
+      <p:nvGrpSpPr>
+        <p:cNvPr id="1" name=""/>
+        <p:cNvGrpSpPr/>
+        <p:nvPr/>
+      </p:nvGrpSpPr>
+      <p:grpSpPr>
+        <a:xfrm>
+          <a:off x="0" y="0"/>
+          <a:ext cx="0" cy="0"/>
+          <a:chOff x="0" y="0"/>
+          <a:chExt cx="0" cy="0"/>
+        </a:xfrm>
+      </p:grpSpPr>
+      <p:sp>
+        <p:nvSpPr>
+          <p:cNvPr id="2" name="Title 1"/>
+          <p:cNvSpPr>
+            <a:spLocks noGrp="1"/>
+          </p:cNvSpPr>
+          <p:nvPr>
+            <p:ph type="title"/>
+          </p:nvPr>
+        </p:nvSpPr>
+        <p:spPr/>
+        <p:txBody>
+          <a:bodyPr>
+            <a:normAutofit fontScale="90000"/>
+          </a:bodyPr>
+          <a:lstStyle/>
+          <a:p>
+            <a:r>
+              <a:rPr lang="en-US" dirty="0" smtClean="0">
+                <a:solidFill>
+                  <a:schemeClr val="accent6"/>
+                </a:solidFill>
+              </a:rPr>
+              <a:t/>
+            </a:r>
+            <a:br>
+              <a:rPr lang="en-US" dirty="0" smtClean="0">
+                <a:solidFill>
+                  <a:schemeClr val="accent6"/>
+                </a:solidFill>
+              </a:rPr>
+            </a:br>
+            <a:r>
+              <a:rPr lang="en-US" dirty="0">
+                <a:solidFill>
+                  <a:schemeClr val="accent6"/>
+                </a:solidFill>
+              </a:rPr>
+              <a:t/>
+            </a:r>
+            <a:br>
+              <a:rPr lang="en-US" dirty="0">
+                <a:solidFill>
+                  <a:schemeClr val="accent6"/>
+                </a:solidFill>
+              </a:rPr>
+            </a:br>
+            <a:r>
+              <a:rPr lang="en-US" dirty="0" smtClean="0">
+                <a:solidFill>
+                  <a:schemeClr val="accent6"/>
+                </a:solidFill>
+              </a:rPr>
+              <a:t/>
+            </a:r>
+            <a:br>
+              <a:rPr lang="en-US" dirty="0" smtClean="0">
+                <a:solidFill>
+                  <a:schemeClr val="accent6"/>
+                </a:solidFill>
+              </a:rPr>
+            </a:br>
+            <a:r>
+              <a:rPr lang="en-US" dirty="0">
+                <a:solidFill>
+                  <a:schemeClr val="accent6"/>
+                </a:solidFill>
+              </a:rPr>
+              <a:t/>
+            </a:r>
+            <a:br>
+              <a:rPr lang="en-US" dirty="0">
+                <a:solidFill>
+                  <a:schemeClr val="accent6"/>
+                </a:solidFill>
+              </a:rPr>
+            </a:br>
+            <a:r>
+              <a:rPr lang="en-US" dirty="0" smtClean="0">
+                <a:solidFill>
+                  <a:schemeClr val="accent6"/>
+                </a:solidFill>
+              </a:rPr>
+              <a:t/>
+            </a:r>
+            <a:br>
+              <a:rPr lang="en-US" dirty="0" smtClean="0">
+                <a:solidFill>
+                  <a:schemeClr val="accent6"/>
+                </a:solidFill>
+              </a:rPr>
+            </a:br>
+            <a:r>
+              <a:rPr lang="en-US" dirty="0">
+                <a:solidFill>
+                  <a:schemeClr val="accent6"/>
+                </a:solidFill>
+              </a:rPr>
+              <a:t/>
+            </a:r>
+            <a:br>
+              <a:rPr lang="en-US" dirty="0">
+                <a:solidFill>
+                  <a:schemeClr val="accent6"/>
+                </a:solidFill>
+              </a:rPr>
+            </a:br>
+            <a:r>
+              <a:rPr lang="en-US" dirty="0" smtClean="0">
+                <a:solidFill>
+                  <a:schemeClr val="accent6"/>
+                </a:solidFill>
+              </a:rPr>
+              <a:t/>
+            </a:r>
+            <a:br>
+              <a:rPr lang="en-US" dirty="0" smtClean="0">
+                <a:solidFill>
+                  <a:schemeClr val="accent6"/>
+                </a:solidFill>
+              </a:rPr>
+            </a:br>
+            <a:r>
+              <a:rPr lang="en-US" dirty="0">
+                <a:solidFill>
+                  <a:schemeClr val="accent6"/>
+                </a:solidFill>
+              </a:rPr>
+              <a:t/>
+            </a:r>
+            <a:br>
+              <a:rPr lang="en-US" dirty="0">
+                <a:solidFill>
+                  <a:schemeClr val="accent6"/>
+                </a:solidFill>
+              </a:rPr>
+            </a:br>
+            <a:r>
+              <a:rPr lang="en-US" dirty="0" smtClean="0">
+                <a:solidFill>
+                  <a:schemeClr val="accent6"/>
+                </a:solidFill>
+              </a:rPr>
+              <a:t>Homework:</a:t>
+            </a:r>
+            <a:br>
+              <a:rPr lang="en-US" dirty="0" smtClean="0">
+                <a:solidFill>
+                  <a:schemeClr val="accent6"/>
+                </a:solidFill>
+              </a:rPr>
+            </a:br>
+            <a:r>
+              <a:rPr lang="en-US" dirty="0" smtClean="0">
+                <a:solidFill>
+                  <a:schemeClr val="accent6"/>
+                </a:solidFill>
+              </a:rPr>
+              <a:t>No specific homework, go back and try to see which things have been hard to understand. Try to reset your root password.</a:t>
+            </a:r>
+            <a:endParaRPr lang="en-US" dirty="0">
+              <a:solidFill>
+                <a:schemeClr val="accent6"/>
+              </a:solidFill>
+            </a:endParaRPr>
+          </a:p>
+        </p:txBody>
+      </p:sp>
+      <p:sp>
+        <p:nvSpPr>
+          <p:cNvPr id="3" name="Content Placeholder 2"/>
+          <p:cNvSpPr>
+            <a:spLocks noGrp="1"/>
+          </p:cNvSpPr>
+          <p:nvPr>
+            <p:ph idx="1"/>
+          </p:nvPr>
+        </p:nvSpPr>
+        <p:spPr/>
+        <p:txBody>
+          <a:bodyPr/>
+          <a:lstStyle/>
+          <a:p>
+            <a:endParaRPr lang="en-US" dirty="0"/>
+          </a:p>
+        </p:txBody>
+      </p:sp>
+    </p:spTree>
+    <p:extLst>
+      <p:ext uri="{BB962C8B-B14F-4D97-AF65-F5344CB8AC3E}">
+        <p14:creationId xmlns:p14="http://schemas.microsoft.com/office/powerpoint/2010/main" val="3963739588"/>
+      </p:ext>
+    </p:extLst>
+  </p:cSld>
+  <p:clrMapOvr>
+    <a:masterClrMapping/>
+  </p:clrMapOvr>
+</p:sld>
+</file>
+
 <file path=ppt/slides/slide2.xml><?xml version="1.0" encoding="utf-8"?>
 <p:sld xmlns:a="http://schemas.openxmlformats.org/drawingml/2006/main" xmlns:r="http://schemas.openxmlformats.org/officeDocument/2006/relationships" xmlns:p="http://schemas.openxmlformats.org/presentationml/2006/main">
   <p:cSld>
@@ -4290,7 +4598,31 @@
                   <a:schemeClr val="accent6"/>
                 </a:solidFill>
               </a:rPr>
-              <a:t>The major benefit of working with system is that it provides a uniform interface to start unites. This </a:t>
+              <a:t>The major benefit of working with </a:t>
+            </a:r>
+            <a:r>
+              <a:rPr lang="en-US" sz="2000" dirty="0" err="1" smtClean="0">
+                <a:solidFill>
+                  <a:schemeClr val="accent6"/>
+                </a:solidFill>
+              </a:rPr>
+              <a:t>systemd</a:t>
+            </a:r>
+            <a:r>
+              <a:rPr lang="en-US" sz="2000" dirty="0" smtClean="0">
+                <a:solidFill>
+                  <a:schemeClr val="accent6"/>
+                </a:solidFill>
+              </a:rPr>
+              <a:t> </a:t>
+            </a:r>
+            <a:r>
+              <a:rPr lang="en-US" sz="2000" dirty="0" smtClean="0">
+                <a:solidFill>
+                  <a:schemeClr val="accent6"/>
+                </a:solidFill>
+              </a:rPr>
+              <a:t>is that it provides a uniform interface to start unites. This </a:t>
             </a:r>
             <a:r>
               <a:rPr lang="en-US" sz="2000" dirty="0" err="1" smtClean="0">
@@ -4675,6 +5007,2897 @@
     <p:extLst>
       <p:ext uri="{BB962C8B-B14F-4D97-AF65-F5344CB8AC3E}">
         <p14:creationId xmlns:p14="http://schemas.microsoft.com/office/powerpoint/2010/main" val="3054123258"/>
+      </p:ext>
+    </p:extLst>
+  </p:cSld>
+  <p:clrMapOvr>
+    <a:masterClrMapping/>
+  </p:clrMapOvr>
+</p:sld>
+</file>
+
+<file path=ppt/slides/slide4.xml><?xml version="1.0" encoding="utf-8"?>
+<p:sld xmlns:a="http://schemas.openxmlformats.org/drawingml/2006/main" xmlns:r="http://schemas.openxmlformats.org/officeDocument/2006/relationships" xmlns:p="http://schemas.openxmlformats.org/presentationml/2006/main">
+  <p:cSld>
+    <p:spTree>
+      <p:nvGrpSpPr>
+        <p:cNvPr id="1" name=""/>
+        <p:cNvGrpSpPr/>
+        <p:nvPr/>
+      </p:nvGrpSpPr>
+      <p:grpSpPr>
+        <a:xfrm>
+          <a:off x="0" y="0"/>
+          <a:ext cx="0" cy="0"/>
+          <a:chOff x="0" y="0"/>
+          <a:chExt cx="0" cy="0"/>
+        </a:xfrm>
+      </p:grpSpPr>
+      <p:sp>
+        <p:nvSpPr>
+          <p:cNvPr id="2" name="Title 1"/>
+          <p:cNvSpPr>
+            <a:spLocks noGrp="1"/>
+          </p:cNvSpPr>
+          <p:nvPr>
+            <p:ph type="ctrTitle"/>
+          </p:nvPr>
+        </p:nvSpPr>
+        <p:spPr/>
+        <p:txBody>
+          <a:bodyPr/>
+          <a:lstStyle/>
+          <a:p>
+            <a:r>
+              <a:rPr lang="en-US" dirty="0" smtClean="0"/>
+              <a:t>E</a:t>
+            </a:r>
+            <a:endParaRPr lang="en-US" dirty="0"/>
+          </a:p>
+        </p:txBody>
+      </p:sp>
+      <p:sp>
+        <p:nvSpPr>
+          <p:cNvPr id="3" name="Subtitle 2"/>
+          <p:cNvSpPr>
+            <a:spLocks noGrp="1"/>
+          </p:cNvSpPr>
+          <p:nvPr>
+            <p:ph type="subTitle" idx="1"/>
+          </p:nvPr>
+        </p:nvSpPr>
+        <p:spPr>
+          <a:xfrm>
+            <a:off x="1371600" y="609600"/>
+            <a:ext cx="6400800" cy="5029200"/>
+          </a:xfrm>
+        </p:spPr>
+        <p:txBody>
+          <a:bodyPr>
+            <a:normAutofit/>
+          </a:bodyPr>
+          <a:lstStyle/>
+          <a:p>
+            <a:r>
+              <a:rPr lang="en-US" sz="2000" dirty="0" smtClean="0">
+                <a:solidFill>
+                  <a:srgbClr val="FF0000"/>
+                </a:solidFill>
+              </a:rPr>
+              <a:t>Exercises:</a:t>
+            </a:r>
+          </a:p>
+          <a:p>
+            <a:pPr marL="514350" indent="-514350">
+              <a:buAutoNum type="arabicPeriod"/>
+            </a:pPr>
+            <a:r>
+              <a:rPr lang="en-US" sz="2000" dirty="0" err="1" smtClean="0">
+                <a:solidFill>
+                  <a:schemeClr val="accent6"/>
+                </a:solidFill>
+              </a:rPr>
+              <a:t>systemctl</a:t>
+            </a:r>
+            <a:r>
+              <a:rPr lang="en-US" sz="2000" dirty="0" smtClean="0">
+                <a:solidFill>
+                  <a:schemeClr val="accent6"/>
+                </a:solidFill>
+              </a:rPr>
+              <a:t> status </a:t>
+            </a:r>
+            <a:r>
+              <a:rPr lang="en-US" sz="2000" dirty="0" err="1" smtClean="0">
+                <a:solidFill>
+                  <a:schemeClr val="accent6"/>
+                </a:solidFill>
+              </a:rPr>
+              <a:t>sshd</a:t>
+            </a:r>
+            <a:endParaRPr lang="en-US" sz="2000" dirty="0" smtClean="0">
+              <a:solidFill>
+                <a:schemeClr val="accent6"/>
+              </a:solidFill>
+            </a:endParaRPr>
+          </a:p>
+          <a:p>
+            <a:pPr marL="514350" indent="-514350">
+              <a:buAutoNum type="arabicPeriod"/>
+            </a:pPr>
+            <a:r>
+              <a:rPr lang="en-US" sz="2000" dirty="0" err="1">
+                <a:solidFill>
+                  <a:schemeClr val="accent6"/>
+                </a:solidFill>
+              </a:rPr>
+              <a:t>s</a:t>
+            </a:r>
+            <a:r>
+              <a:rPr lang="en-US" sz="2000" dirty="0" err="1" smtClean="0">
+                <a:solidFill>
+                  <a:schemeClr val="accent6"/>
+                </a:solidFill>
+              </a:rPr>
+              <a:t>ystemctl</a:t>
+            </a:r>
+            <a:r>
+              <a:rPr lang="en-US" sz="2000" dirty="0" smtClean="0">
+                <a:solidFill>
+                  <a:schemeClr val="accent6"/>
+                </a:solidFill>
+              </a:rPr>
+              <a:t> stop </a:t>
+            </a:r>
+            <a:r>
+              <a:rPr lang="en-US" sz="2000" dirty="0" err="1" smtClean="0">
+                <a:solidFill>
+                  <a:schemeClr val="accent6"/>
+                </a:solidFill>
+              </a:rPr>
+              <a:t>sshd</a:t>
+            </a:r>
+            <a:endParaRPr lang="en-US" sz="2000" dirty="0" smtClean="0">
+              <a:solidFill>
+                <a:schemeClr val="accent6"/>
+              </a:solidFill>
+            </a:endParaRPr>
+          </a:p>
+          <a:p>
+            <a:pPr marL="514350" indent="-514350">
+              <a:buAutoNum type="arabicPeriod"/>
+            </a:pPr>
+            <a:r>
+              <a:rPr lang="en-US" sz="2000" dirty="0" err="1">
+                <a:solidFill>
+                  <a:schemeClr val="accent6"/>
+                </a:solidFill>
+              </a:rPr>
+              <a:t>s</a:t>
+            </a:r>
+            <a:r>
+              <a:rPr lang="en-US" sz="2000" dirty="0" err="1" smtClean="0">
+                <a:solidFill>
+                  <a:schemeClr val="accent6"/>
+                </a:solidFill>
+              </a:rPr>
+              <a:t>ystemctl</a:t>
+            </a:r>
+            <a:r>
+              <a:rPr lang="en-US" sz="2000" dirty="0" smtClean="0">
+                <a:solidFill>
+                  <a:schemeClr val="accent6"/>
+                </a:solidFill>
+              </a:rPr>
+              <a:t> status </a:t>
+            </a:r>
+            <a:r>
+              <a:rPr lang="en-US" sz="2000" dirty="0" err="1" smtClean="0">
+                <a:solidFill>
+                  <a:schemeClr val="accent6"/>
+                </a:solidFill>
+              </a:rPr>
+              <a:t>sshd</a:t>
+            </a:r>
+            <a:endParaRPr lang="en-US" sz="2000" dirty="0" smtClean="0">
+              <a:solidFill>
+                <a:schemeClr val="accent6"/>
+              </a:solidFill>
+            </a:endParaRPr>
+          </a:p>
+          <a:p>
+            <a:pPr marL="514350" indent="-514350">
+              <a:buAutoNum type="arabicPeriod"/>
+            </a:pPr>
+            <a:r>
+              <a:rPr lang="en-US" sz="2000" dirty="0" err="1">
+                <a:solidFill>
+                  <a:schemeClr val="accent6"/>
+                </a:solidFill>
+              </a:rPr>
+              <a:t>s</a:t>
+            </a:r>
+            <a:r>
+              <a:rPr lang="en-US" sz="2000" dirty="0" err="1" smtClean="0">
+                <a:solidFill>
+                  <a:schemeClr val="accent6"/>
+                </a:solidFill>
+              </a:rPr>
+              <a:t>ystemctl</a:t>
+            </a:r>
+            <a:r>
+              <a:rPr lang="en-US" sz="2000" dirty="0" smtClean="0">
+                <a:solidFill>
+                  <a:schemeClr val="accent6"/>
+                </a:solidFill>
+              </a:rPr>
+              <a:t> start </a:t>
+            </a:r>
+            <a:r>
+              <a:rPr lang="en-US" sz="2000" dirty="0" err="1" smtClean="0">
+                <a:solidFill>
+                  <a:schemeClr val="accent6"/>
+                </a:solidFill>
+              </a:rPr>
+              <a:t>sshd</a:t>
+            </a:r>
+            <a:endParaRPr lang="en-US" sz="2000" dirty="0" smtClean="0">
+              <a:solidFill>
+                <a:schemeClr val="accent6"/>
+              </a:solidFill>
+            </a:endParaRPr>
+          </a:p>
+          <a:p>
+            <a:pPr marL="514350" indent="-514350">
+              <a:buAutoNum type="arabicPeriod"/>
+            </a:pPr>
+            <a:r>
+              <a:rPr lang="en-US" sz="2000" dirty="0" err="1">
+                <a:solidFill>
+                  <a:schemeClr val="accent6"/>
+                </a:solidFill>
+              </a:rPr>
+              <a:t>s</a:t>
+            </a:r>
+            <a:r>
+              <a:rPr lang="en-US" sz="2000" dirty="0" err="1" smtClean="0">
+                <a:solidFill>
+                  <a:schemeClr val="accent6"/>
+                </a:solidFill>
+              </a:rPr>
+              <a:t>ystemctl</a:t>
+            </a:r>
+            <a:r>
+              <a:rPr lang="en-US" sz="2000" dirty="0" smtClean="0">
+                <a:solidFill>
+                  <a:schemeClr val="accent6"/>
+                </a:solidFill>
+              </a:rPr>
+              <a:t> is-enabled </a:t>
+            </a:r>
+            <a:r>
+              <a:rPr lang="en-US" sz="2000" dirty="0" err="1" smtClean="0">
+                <a:solidFill>
+                  <a:schemeClr val="accent6"/>
+                </a:solidFill>
+              </a:rPr>
+              <a:t>sshd</a:t>
+            </a:r>
+            <a:endParaRPr lang="en-US" sz="2000" dirty="0" smtClean="0">
+              <a:solidFill>
+                <a:schemeClr val="accent6"/>
+              </a:solidFill>
+            </a:endParaRPr>
+          </a:p>
+          <a:p>
+            <a:r>
+              <a:rPr lang="en-US" sz="2000" dirty="0" smtClean="0">
+                <a:solidFill>
+                  <a:schemeClr val="accent6"/>
+                </a:solidFill>
+              </a:rPr>
+              <a:t>6. </a:t>
+            </a:r>
+            <a:r>
+              <a:rPr lang="en-US" sz="2000" dirty="0" err="1">
+                <a:solidFill>
+                  <a:schemeClr val="accent6"/>
+                </a:solidFill>
+              </a:rPr>
+              <a:t>s</a:t>
+            </a:r>
+            <a:r>
+              <a:rPr lang="en-US" sz="2000" dirty="0" err="1" smtClean="0">
+                <a:solidFill>
+                  <a:schemeClr val="accent6"/>
+                </a:solidFill>
+              </a:rPr>
+              <a:t>ystemctl</a:t>
+            </a:r>
+            <a:r>
+              <a:rPr lang="en-US" sz="2000" dirty="0" smtClean="0">
+                <a:solidFill>
+                  <a:schemeClr val="accent6"/>
+                </a:solidFill>
+              </a:rPr>
+              <a:t> disable </a:t>
+            </a:r>
+            <a:r>
+              <a:rPr lang="en-US" sz="2000" dirty="0" err="1" smtClean="0">
+                <a:solidFill>
+                  <a:schemeClr val="accent6"/>
+                </a:solidFill>
+              </a:rPr>
+              <a:t>sshd</a:t>
+            </a:r>
+            <a:endParaRPr lang="en-US" sz="2000" dirty="0" smtClean="0">
+              <a:solidFill>
+                <a:schemeClr val="accent6"/>
+              </a:solidFill>
+            </a:endParaRPr>
+          </a:p>
+          <a:p>
+            <a:r>
+              <a:rPr lang="en-US" sz="2000" dirty="0" smtClean="0">
+                <a:solidFill>
+                  <a:schemeClr val="accent6"/>
+                </a:solidFill>
+              </a:rPr>
+              <a:t>7. </a:t>
+            </a:r>
+            <a:r>
+              <a:rPr lang="en-US" sz="2000" dirty="0" err="1">
+                <a:solidFill>
+                  <a:schemeClr val="accent6"/>
+                </a:solidFill>
+              </a:rPr>
+              <a:t>s</a:t>
+            </a:r>
+            <a:r>
+              <a:rPr lang="en-US" sz="2000" dirty="0" err="1" smtClean="0">
+                <a:solidFill>
+                  <a:schemeClr val="accent6"/>
+                </a:solidFill>
+              </a:rPr>
+              <a:t>ystemctl</a:t>
+            </a:r>
+            <a:r>
+              <a:rPr lang="en-US" sz="2000" dirty="0" smtClean="0">
+                <a:solidFill>
+                  <a:schemeClr val="accent6"/>
+                </a:solidFill>
+              </a:rPr>
+              <a:t> enable </a:t>
+            </a:r>
+            <a:r>
+              <a:rPr lang="en-US" sz="2000" dirty="0" err="1" smtClean="0">
+                <a:solidFill>
+                  <a:schemeClr val="accent6"/>
+                </a:solidFill>
+              </a:rPr>
+              <a:t>sshd</a:t>
+            </a:r>
+            <a:endParaRPr lang="en-US" sz="2000" dirty="0" smtClean="0">
+              <a:solidFill>
+                <a:schemeClr val="accent6"/>
+              </a:solidFill>
+            </a:endParaRPr>
+          </a:p>
+          <a:p>
+            <a:pPr marL="514350" indent="-514350">
+              <a:buAutoNum type="arabicPeriod"/>
+            </a:pPr>
+            <a:endParaRPr lang="en-US" sz="2000" dirty="0" smtClean="0">
+              <a:solidFill>
+                <a:schemeClr val="accent6"/>
+              </a:solidFill>
+            </a:endParaRPr>
+          </a:p>
+          <a:p>
+            <a:endParaRPr lang="en-US" sz="2000" dirty="0">
+              <a:solidFill>
+                <a:schemeClr val="accent6"/>
+              </a:solidFill>
+            </a:endParaRPr>
+          </a:p>
+          <a:p>
+            <a:r>
+              <a:rPr lang="en-US" sz="2000" dirty="0" smtClean="0">
+                <a:solidFill>
+                  <a:schemeClr val="accent6"/>
+                </a:solidFill>
+              </a:rPr>
+              <a:t>Enabled services will start once the OS is booted. Other common services: network, </a:t>
+            </a:r>
+            <a:r>
+              <a:rPr lang="en-US" sz="2000" dirty="0" err="1" smtClean="0">
+                <a:solidFill>
+                  <a:schemeClr val="accent6"/>
+                </a:solidFill>
+              </a:rPr>
+              <a:t>NetworkManager</a:t>
+            </a:r>
+            <a:r>
+              <a:rPr lang="en-US" sz="2000" dirty="0" smtClean="0">
+                <a:solidFill>
+                  <a:schemeClr val="accent6"/>
+                </a:solidFill>
+              </a:rPr>
+              <a:t>, </a:t>
+            </a:r>
+            <a:r>
+              <a:rPr lang="en-US" sz="2000" dirty="0" err="1" smtClean="0">
+                <a:solidFill>
+                  <a:schemeClr val="accent6"/>
+                </a:solidFill>
+              </a:rPr>
+              <a:t>httpd</a:t>
+            </a:r>
+            <a:r>
+              <a:rPr lang="en-US" sz="2000" dirty="0" smtClean="0">
+                <a:solidFill>
+                  <a:schemeClr val="accent6"/>
+                </a:solidFill>
+              </a:rPr>
+              <a:t>, </a:t>
+            </a:r>
+            <a:r>
+              <a:rPr lang="en-US" sz="2000" dirty="0" err="1" smtClean="0">
+                <a:solidFill>
+                  <a:schemeClr val="accent6"/>
+                </a:solidFill>
+              </a:rPr>
+              <a:t>firewalld</a:t>
+            </a:r>
+            <a:r>
+              <a:rPr lang="en-US" sz="2000" dirty="0" smtClean="0">
+                <a:solidFill>
+                  <a:schemeClr val="accent6"/>
+                </a:solidFill>
+              </a:rPr>
+              <a:t> …</a:t>
+            </a:r>
+            <a:endParaRPr lang="en-US" sz="2000" dirty="0">
+              <a:solidFill>
+                <a:schemeClr val="accent6"/>
+              </a:solidFill>
+            </a:endParaRPr>
+          </a:p>
+        </p:txBody>
+      </p:sp>
+    </p:spTree>
+    <p:extLst>
+      <p:ext uri="{BB962C8B-B14F-4D97-AF65-F5344CB8AC3E}">
+        <p14:creationId xmlns:p14="http://schemas.microsoft.com/office/powerpoint/2010/main" val="1032033465"/>
+      </p:ext>
+    </p:extLst>
+  </p:cSld>
+  <p:clrMapOvr>
+    <a:masterClrMapping/>
+  </p:clrMapOvr>
+</p:sld>
+</file>
+
+<file path=ppt/slides/slide5.xml><?xml version="1.0" encoding="utf-8"?>
+<p:sld xmlns:a="http://schemas.openxmlformats.org/drawingml/2006/main" xmlns:r="http://schemas.openxmlformats.org/officeDocument/2006/relationships" xmlns:p="http://schemas.openxmlformats.org/presentationml/2006/main">
+  <p:cSld>
+    <p:spTree>
+      <p:nvGrpSpPr>
+        <p:cNvPr id="1" name=""/>
+        <p:cNvGrpSpPr/>
+        <p:nvPr/>
+      </p:nvGrpSpPr>
+      <p:grpSpPr>
+        <a:xfrm>
+          <a:off x="0" y="0"/>
+          <a:ext cx="0" cy="0"/>
+          <a:chOff x="0" y="0"/>
+          <a:chExt cx="0" cy="0"/>
+        </a:xfrm>
+      </p:grpSpPr>
+      <p:sp>
+        <p:nvSpPr>
+          <p:cNvPr id="2" name="Title 1"/>
+          <p:cNvSpPr>
+            <a:spLocks noGrp="1"/>
+          </p:cNvSpPr>
+          <p:nvPr>
+            <p:ph type="title"/>
+          </p:nvPr>
+        </p:nvSpPr>
+        <p:spPr/>
+        <p:txBody>
+          <a:bodyPr>
+            <a:normAutofit fontScale="90000"/>
+          </a:bodyPr>
+          <a:lstStyle/>
+          <a:p>
+            <a:r>
+              <a:rPr lang="en-US" dirty="0" smtClean="0">
+                <a:solidFill>
+                  <a:schemeClr val="accent6"/>
+                </a:solidFill>
+              </a:rPr>
+              <a:t/>
+            </a:r>
+            <a:br>
+              <a:rPr lang="en-US" dirty="0" smtClean="0">
+                <a:solidFill>
+                  <a:schemeClr val="accent6"/>
+                </a:solidFill>
+              </a:rPr>
+            </a:br>
+            <a:r>
+              <a:rPr lang="en-US" dirty="0">
+                <a:solidFill>
+                  <a:schemeClr val="accent6"/>
+                </a:solidFill>
+              </a:rPr>
+              <a:t/>
+            </a:r>
+            <a:br>
+              <a:rPr lang="en-US" dirty="0">
+                <a:solidFill>
+                  <a:schemeClr val="accent6"/>
+                </a:solidFill>
+              </a:rPr>
+            </a:br>
+            <a:r>
+              <a:rPr lang="en-US" dirty="0" smtClean="0">
+                <a:solidFill>
+                  <a:schemeClr val="accent6"/>
+                </a:solidFill>
+              </a:rPr>
+              <a:t/>
+            </a:r>
+            <a:br>
+              <a:rPr lang="en-US" dirty="0" smtClean="0">
+                <a:solidFill>
+                  <a:schemeClr val="accent6"/>
+                </a:solidFill>
+              </a:rPr>
+            </a:br>
+            <a:r>
+              <a:rPr lang="en-US" dirty="0" smtClean="0">
+                <a:solidFill>
+                  <a:schemeClr val="accent6"/>
+                </a:solidFill>
+              </a:rPr>
+              <a:t/>
+            </a:r>
+            <a:br>
+              <a:rPr lang="en-US" dirty="0" smtClean="0">
+                <a:solidFill>
+                  <a:schemeClr val="accent6"/>
+                </a:solidFill>
+              </a:rPr>
+            </a:br>
+            <a:r>
+              <a:rPr lang="en-US" dirty="0">
+                <a:solidFill>
+                  <a:schemeClr val="accent6"/>
+                </a:solidFill>
+              </a:rPr>
+              <a:t/>
+            </a:r>
+            <a:br>
+              <a:rPr lang="en-US" dirty="0">
+                <a:solidFill>
+                  <a:schemeClr val="accent6"/>
+                </a:solidFill>
+              </a:rPr>
+            </a:br>
+            <a:r>
+              <a:rPr lang="en-US" dirty="0" smtClean="0">
+                <a:solidFill>
+                  <a:schemeClr val="accent6"/>
+                </a:solidFill>
+              </a:rPr>
+              <a:t/>
+            </a:r>
+            <a:br>
+              <a:rPr lang="en-US" dirty="0" smtClean="0">
+                <a:solidFill>
+                  <a:schemeClr val="accent6"/>
+                </a:solidFill>
+              </a:rPr>
+            </a:br>
+            <a:r>
+              <a:rPr lang="en-US" dirty="0" smtClean="0">
+                <a:solidFill>
+                  <a:schemeClr val="accent6"/>
+                </a:solidFill>
+              </a:rPr>
+              <a:t/>
+            </a:r>
+            <a:br>
+              <a:rPr lang="en-US" dirty="0" smtClean="0">
+                <a:solidFill>
+                  <a:schemeClr val="accent6"/>
+                </a:solidFill>
+              </a:rPr>
+            </a:br>
+            <a:r>
+              <a:rPr lang="en-US" sz="2200" dirty="0" smtClean="0">
+                <a:solidFill>
+                  <a:schemeClr val="accent6"/>
+                </a:solidFill>
+              </a:rPr>
+              <a:t>On </a:t>
+            </a:r>
+            <a:r>
+              <a:rPr lang="en-US" sz="2200" dirty="0" err="1" smtClean="0">
+                <a:solidFill>
+                  <a:schemeClr val="accent6"/>
+                </a:solidFill>
+              </a:rPr>
+              <a:t>systemd</a:t>
+            </a:r>
+            <a:r>
+              <a:rPr lang="en-US" sz="2200" dirty="0" smtClean="0">
+                <a:solidFill>
+                  <a:schemeClr val="accent6"/>
+                </a:solidFill>
+              </a:rPr>
+              <a:t> machines, there are a couple of targets. A target is a collection of units. Some targets could be isolated if they have the ‘isolate’ option.</a:t>
+            </a:r>
+            <a:br>
+              <a:rPr lang="en-US" sz="2200" dirty="0" smtClean="0">
+                <a:solidFill>
+                  <a:schemeClr val="accent6"/>
+                </a:solidFill>
+              </a:rPr>
+            </a:br>
+            <a:r>
+              <a:rPr lang="en-US" sz="2200" dirty="0">
+                <a:solidFill>
+                  <a:schemeClr val="accent6"/>
+                </a:solidFill>
+              </a:rPr>
+              <a:t/>
+            </a:r>
+            <a:br>
+              <a:rPr lang="en-US" sz="2200" dirty="0">
+                <a:solidFill>
+                  <a:schemeClr val="accent6"/>
+                </a:solidFill>
+              </a:rPr>
+            </a:br>
+            <a:r>
+              <a:rPr lang="en-US" sz="2200" dirty="0" smtClean="0">
+                <a:solidFill>
+                  <a:schemeClr val="accent6"/>
+                </a:solidFill>
+              </a:rPr>
+              <a:t>1. cat /</a:t>
+            </a:r>
+            <a:r>
+              <a:rPr lang="en-US" sz="2200" dirty="0" err="1" smtClean="0">
+                <a:solidFill>
+                  <a:schemeClr val="accent6"/>
+                </a:solidFill>
+              </a:rPr>
+              <a:t>usr</a:t>
+            </a:r>
+            <a:r>
+              <a:rPr lang="en-US" sz="2200" dirty="0" smtClean="0">
+                <a:solidFill>
+                  <a:schemeClr val="accent6"/>
+                </a:solidFill>
+              </a:rPr>
+              <a:t>/lib/</a:t>
+            </a:r>
+            <a:r>
+              <a:rPr lang="en-US" sz="2200" dirty="0" err="1" smtClean="0">
+                <a:solidFill>
+                  <a:schemeClr val="accent6"/>
+                </a:solidFill>
+              </a:rPr>
+              <a:t>systemd</a:t>
+            </a:r>
+            <a:r>
+              <a:rPr lang="en-US" sz="2200" dirty="0" smtClean="0">
+                <a:solidFill>
+                  <a:schemeClr val="accent6"/>
+                </a:solidFill>
+              </a:rPr>
+              <a:t>/system/</a:t>
+            </a:r>
+            <a:r>
+              <a:rPr lang="en-US" sz="2200" dirty="0" err="1" smtClean="0">
+                <a:solidFill>
+                  <a:schemeClr val="accent6"/>
+                </a:solidFill>
+              </a:rPr>
+              <a:t>graphical.target</a:t>
+            </a:r>
+            <a:r>
+              <a:rPr lang="en-US" sz="2200" dirty="0" smtClean="0">
+                <a:solidFill>
+                  <a:schemeClr val="accent6"/>
+                </a:solidFill>
+              </a:rPr>
+              <a:t/>
+            </a:r>
+            <a:br>
+              <a:rPr lang="en-US" sz="2200" dirty="0" smtClean="0">
+                <a:solidFill>
+                  <a:schemeClr val="accent6"/>
+                </a:solidFill>
+              </a:rPr>
+            </a:br>
+            <a:r>
+              <a:rPr lang="en-US" sz="2200" dirty="0" smtClean="0">
+                <a:solidFill>
+                  <a:schemeClr val="accent6"/>
+                </a:solidFill>
+              </a:rPr>
+              <a:t>2. </a:t>
+            </a:r>
+            <a:r>
+              <a:rPr lang="en-US" sz="2200" dirty="0" err="1" smtClean="0">
+                <a:solidFill>
+                  <a:schemeClr val="accent6"/>
+                </a:solidFill>
+              </a:rPr>
+              <a:t>systemctl</a:t>
+            </a:r>
+            <a:r>
+              <a:rPr lang="en-US" sz="2200" dirty="0" smtClean="0">
+                <a:solidFill>
+                  <a:schemeClr val="accent6"/>
+                </a:solidFill>
+              </a:rPr>
+              <a:t> get-default =&gt; multi-</a:t>
+            </a:r>
+            <a:r>
+              <a:rPr lang="en-US" sz="2200" dirty="0" err="1" smtClean="0">
+                <a:solidFill>
+                  <a:schemeClr val="accent6"/>
+                </a:solidFill>
+              </a:rPr>
+              <a:t>user.target</a:t>
+            </a:r>
+            <a:r>
+              <a:rPr lang="en-US" sz="2200" dirty="0" smtClean="0">
+                <a:solidFill>
+                  <a:schemeClr val="accent6"/>
+                </a:solidFill>
+              </a:rPr>
+              <a:t/>
+            </a:r>
+            <a:br>
+              <a:rPr lang="en-US" sz="2200" dirty="0" smtClean="0">
+                <a:solidFill>
+                  <a:schemeClr val="accent6"/>
+                </a:solidFill>
+              </a:rPr>
+            </a:br>
+            <a:r>
+              <a:rPr lang="en-US" sz="2200" dirty="0" smtClean="0">
+                <a:solidFill>
+                  <a:schemeClr val="accent6"/>
+                </a:solidFill>
+              </a:rPr>
+              <a:t>3.  </a:t>
+            </a:r>
+            <a:r>
+              <a:rPr lang="en-US" sz="2200" dirty="0" err="1" smtClean="0">
+                <a:solidFill>
+                  <a:schemeClr val="accent6"/>
+                </a:solidFill>
+              </a:rPr>
+              <a:t>systemctl</a:t>
+            </a:r>
+            <a:r>
+              <a:rPr lang="en-US" sz="2200" dirty="0" smtClean="0">
+                <a:solidFill>
+                  <a:schemeClr val="accent6"/>
+                </a:solidFill>
+              </a:rPr>
+              <a:t> isolate </a:t>
+            </a:r>
+            <a:r>
+              <a:rPr lang="en-US" sz="2200" dirty="0" err="1" smtClean="0">
+                <a:solidFill>
+                  <a:schemeClr val="accent6"/>
+                </a:solidFill>
+              </a:rPr>
+              <a:t>graphical.target</a:t>
+            </a:r>
+            <a:r>
+              <a:rPr lang="en-US" sz="2200" dirty="0" smtClean="0">
+                <a:solidFill>
+                  <a:schemeClr val="accent6"/>
+                </a:solidFill>
+              </a:rPr>
+              <a:t/>
+            </a:r>
+            <a:br>
+              <a:rPr lang="en-US" sz="2200" dirty="0" smtClean="0">
+                <a:solidFill>
+                  <a:schemeClr val="accent6"/>
+                </a:solidFill>
+              </a:rPr>
+            </a:br>
+            <a:r>
+              <a:rPr lang="en-US" sz="2200" dirty="0" smtClean="0">
+                <a:solidFill>
+                  <a:schemeClr val="accent6"/>
+                </a:solidFill>
+              </a:rPr>
+              <a:t>4. Nothing ? Ok, we installed minimal .</a:t>
+            </a:r>
+            <a:r>
+              <a:rPr lang="en-US" sz="2200" dirty="0" err="1" smtClean="0">
+                <a:solidFill>
+                  <a:schemeClr val="accent6"/>
+                </a:solidFill>
+              </a:rPr>
+              <a:t>iso</a:t>
+            </a:r>
+            <a:r>
+              <a:rPr lang="en-US" sz="2200" dirty="0" smtClean="0">
+                <a:solidFill>
+                  <a:schemeClr val="accent6"/>
+                </a:solidFill>
+              </a:rPr>
+              <a:t> CentOS, it does not have the libraries for a graphical target, let’s install it and have a cup of coffee:</a:t>
+            </a:r>
+            <a:br>
+              <a:rPr lang="en-US" sz="2200" dirty="0" smtClean="0">
+                <a:solidFill>
+                  <a:schemeClr val="accent6"/>
+                </a:solidFill>
+              </a:rPr>
+            </a:br>
+            <a:r>
+              <a:rPr lang="en-US" sz="2200" dirty="0" smtClean="0">
+                <a:solidFill>
+                  <a:schemeClr val="accent6"/>
+                </a:solidFill>
+              </a:rPr>
+              <a:t>yum –y groups install “GNOME Desktop”</a:t>
+            </a:r>
+            <a:br>
+              <a:rPr lang="en-US" sz="2200" dirty="0" smtClean="0">
+                <a:solidFill>
+                  <a:schemeClr val="accent6"/>
+                </a:solidFill>
+              </a:rPr>
+            </a:br>
+            <a:r>
+              <a:rPr lang="en-US" sz="2200" dirty="0" smtClean="0">
+                <a:solidFill>
+                  <a:schemeClr val="accent6"/>
+                </a:solidFill>
+              </a:rPr>
+              <a:t>5. </a:t>
+            </a:r>
+            <a:r>
+              <a:rPr lang="en-US" sz="2200" dirty="0" err="1" smtClean="0">
+                <a:solidFill>
+                  <a:schemeClr val="accent6"/>
+                </a:solidFill>
+              </a:rPr>
+              <a:t>startx</a:t>
+            </a:r>
+            <a:r>
+              <a:rPr lang="en-US" sz="2200" dirty="0" smtClean="0">
+                <a:solidFill>
+                  <a:schemeClr val="accent6"/>
+                </a:solidFill>
+              </a:rPr>
+              <a:t/>
+            </a:r>
+            <a:br>
+              <a:rPr lang="en-US" sz="2200" dirty="0" smtClean="0">
+                <a:solidFill>
+                  <a:schemeClr val="accent6"/>
+                </a:solidFill>
+              </a:rPr>
+            </a:br>
+            <a:r>
+              <a:rPr lang="en-US" sz="2200" dirty="0" smtClean="0">
+                <a:solidFill>
+                  <a:schemeClr val="accent6"/>
+                </a:solidFill>
+              </a:rPr>
+              <a:t>6. </a:t>
+            </a:r>
+            <a:r>
+              <a:rPr lang="en-US" sz="2200" dirty="0" err="1" smtClean="0">
+                <a:solidFill>
+                  <a:schemeClr val="accent6"/>
+                </a:solidFill>
+              </a:rPr>
+              <a:t>systemctl</a:t>
+            </a:r>
+            <a:r>
+              <a:rPr lang="en-US" sz="2200" dirty="0" smtClean="0">
+                <a:solidFill>
+                  <a:schemeClr val="accent6"/>
+                </a:solidFill>
+              </a:rPr>
+              <a:t> set-default </a:t>
+            </a:r>
+            <a:r>
+              <a:rPr lang="en-US" sz="2200" dirty="0" err="1" smtClean="0">
+                <a:solidFill>
+                  <a:schemeClr val="accent6"/>
+                </a:solidFill>
+              </a:rPr>
+              <a:t>graphical.target</a:t>
+            </a:r>
+            <a:r>
+              <a:rPr lang="en-US" sz="2200" dirty="0" smtClean="0">
+                <a:solidFill>
+                  <a:schemeClr val="accent6"/>
+                </a:solidFill>
+              </a:rPr>
+              <a:t/>
+            </a:r>
+            <a:br>
+              <a:rPr lang="en-US" sz="2200" dirty="0" smtClean="0">
+                <a:solidFill>
+                  <a:schemeClr val="accent6"/>
+                </a:solidFill>
+              </a:rPr>
+            </a:br>
+            <a:r>
+              <a:rPr lang="en-US" sz="2200" dirty="0" smtClean="0">
+                <a:solidFill>
+                  <a:schemeClr val="accent6"/>
+                </a:solidFill>
+              </a:rPr>
+              <a:t>7. </a:t>
+            </a:r>
+            <a:r>
+              <a:rPr lang="en-US" sz="2200" dirty="0" err="1" smtClean="0">
+                <a:solidFill>
+                  <a:schemeClr val="accent6"/>
+                </a:solidFill>
+              </a:rPr>
+              <a:t>systemctl</a:t>
+            </a:r>
+            <a:r>
+              <a:rPr lang="en-US" sz="2200" dirty="0" smtClean="0">
+                <a:solidFill>
+                  <a:schemeClr val="accent6"/>
+                </a:solidFill>
+              </a:rPr>
+              <a:t> reboot</a:t>
+            </a:r>
+            <a:br>
+              <a:rPr lang="en-US" sz="2200" dirty="0" smtClean="0">
+                <a:solidFill>
+                  <a:schemeClr val="accent6"/>
+                </a:solidFill>
+              </a:rPr>
+            </a:br>
+            <a:r>
+              <a:rPr lang="en-US" sz="2200" dirty="0" smtClean="0">
+                <a:solidFill>
+                  <a:schemeClr val="accent6"/>
+                </a:solidFill>
+              </a:rPr>
+              <a:t/>
+            </a:r>
+            <a:br>
+              <a:rPr lang="en-US" sz="2200" dirty="0" smtClean="0">
+                <a:solidFill>
+                  <a:schemeClr val="accent6"/>
+                </a:solidFill>
+              </a:rPr>
+            </a:br>
+            <a:endParaRPr lang="en-US" sz="2200" dirty="0">
+              <a:solidFill>
+                <a:schemeClr val="accent6"/>
+              </a:solidFill>
+            </a:endParaRPr>
+          </a:p>
+        </p:txBody>
+      </p:sp>
+      <p:graphicFrame>
+        <p:nvGraphicFramePr>
+          <p:cNvPr id="4" name="Content Placeholder 3"/>
+          <p:cNvGraphicFramePr>
+            <a:graphicFrameLocks noGrp="1"/>
+          </p:cNvGraphicFramePr>
+          <p:nvPr>
+            <p:ph idx="1"/>
+            <p:extLst>
+              <p:ext uri="{D42A27DB-BD31-4B8C-83A1-F6EECF244321}">
+                <p14:modId xmlns:p14="http://schemas.microsoft.com/office/powerpoint/2010/main" val="2937103085"/>
+              </p:ext>
+            </p:extLst>
+          </p:nvPr>
+        </p:nvGraphicFramePr>
+        <p:xfrm>
+          <a:off x="1066800" y="4495800"/>
+          <a:ext cx="7391400" cy="2194560"/>
+        </p:xfrm>
+        <a:graphic>
+          <a:graphicData uri="http://schemas.openxmlformats.org/drawingml/2006/table">
+            <a:tbl>
+              <a:tblPr firstRow="1" bandRow="1">
+                <a:tableStyleId>{5C22544A-7EE6-4342-B048-85BDC9FD1C3A}</a:tableStyleId>
+              </a:tblPr>
+              <a:tblGrid>
+                <a:gridCol w="3832578"/>
+                <a:gridCol w="3558822"/>
+              </a:tblGrid>
+              <a:tr h="205740">
+                <a:tc>
+                  <a:txBody>
+                    <a:bodyPr/>
+                    <a:lstStyle/>
+                    <a:p>
+                      <a:r>
+                        <a:rPr lang="en-US" dirty="0" smtClean="0"/>
+                        <a:t>Target(the new</a:t>
+                      </a:r>
+                      <a:r>
+                        <a:rPr lang="en-US" baseline="0" dirty="0" smtClean="0"/>
+                        <a:t> way)</a:t>
+                      </a:r>
+                      <a:endParaRPr lang="en-US" dirty="0"/>
+                    </a:p>
+                  </a:txBody>
+                  <a:tcPr/>
+                </a:tc>
+                <a:tc>
+                  <a:txBody>
+                    <a:bodyPr/>
+                    <a:lstStyle/>
+                    <a:p>
+                      <a:r>
+                        <a:rPr lang="en-US" dirty="0" err="1" smtClean="0"/>
+                        <a:t>Runlevel</a:t>
+                      </a:r>
+                      <a:r>
+                        <a:rPr lang="en-US" baseline="0" dirty="0" smtClean="0"/>
+                        <a:t> (the old way)</a:t>
+                      </a:r>
+                      <a:endParaRPr lang="en-US" dirty="0"/>
+                    </a:p>
+                  </a:txBody>
+                  <a:tcPr/>
+                </a:tc>
+              </a:tr>
+              <a:tr h="205740">
+                <a:tc>
+                  <a:txBody>
+                    <a:bodyPr/>
+                    <a:lstStyle/>
+                    <a:p>
+                      <a:r>
+                        <a:rPr lang="en-US" dirty="0" err="1" smtClean="0"/>
+                        <a:t>Poweroff.target</a:t>
+                      </a:r>
+                      <a:endParaRPr lang="en-US" dirty="0"/>
+                    </a:p>
+                  </a:txBody>
+                  <a:tcPr/>
+                </a:tc>
+                <a:tc>
+                  <a:txBody>
+                    <a:bodyPr/>
+                    <a:lstStyle/>
+                    <a:p>
+                      <a:r>
+                        <a:rPr lang="en-US" dirty="0" err="1" smtClean="0"/>
+                        <a:t>Runlevel</a:t>
+                      </a:r>
+                      <a:r>
+                        <a:rPr lang="en-US" baseline="0" dirty="0" smtClean="0"/>
+                        <a:t> 0</a:t>
+                      </a:r>
+                      <a:endParaRPr lang="en-US" dirty="0"/>
+                    </a:p>
+                  </a:txBody>
+                  <a:tcPr/>
+                </a:tc>
+              </a:tr>
+              <a:tr h="205740">
+                <a:tc>
+                  <a:txBody>
+                    <a:bodyPr/>
+                    <a:lstStyle/>
+                    <a:p>
+                      <a:r>
+                        <a:rPr lang="en-US" dirty="0" err="1" smtClean="0"/>
+                        <a:t>Rescue.target</a:t>
+                      </a:r>
+                      <a:endParaRPr lang="en-US" dirty="0"/>
+                    </a:p>
+                  </a:txBody>
+                  <a:tcPr/>
+                </a:tc>
+                <a:tc>
+                  <a:txBody>
+                    <a:bodyPr/>
+                    <a:lstStyle/>
+                    <a:p>
+                      <a:r>
+                        <a:rPr lang="en-US" dirty="0" err="1" smtClean="0"/>
+                        <a:t>Runlevel</a:t>
+                      </a:r>
+                      <a:r>
+                        <a:rPr lang="en-US" dirty="0" smtClean="0"/>
+                        <a:t> 1</a:t>
+                      </a:r>
+                      <a:endParaRPr lang="en-US" dirty="0"/>
+                    </a:p>
+                  </a:txBody>
+                  <a:tcPr/>
+                </a:tc>
+              </a:tr>
+              <a:tr h="205740">
+                <a:tc>
+                  <a:txBody>
+                    <a:bodyPr/>
+                    <a:lstStyle/>
+                    <a:p>
+                      <a:r>
+                        <a:rPr lang="en-US" dirty="0" smtClean="0"/>
+                        <a:t>Multi-</a:t>
+                      </a:r>
+                      <a:r>
+                        <a:rPr lang="en-US" dirty="0" err="1" smtClean="0"/>
+                        <a:t>user.target</a:t>
+                      </a:r>
+                      <a:endParaRPr lang="en-US" dirty="0"/>
+                    </a:p>
+                  </a:txBody>
+                  <a:tcPr/>
+                </a:tc>
+                <a:tc>
+                  <a:txBody>
+                    <a:bodyPr/>
+                    <a:lstStyle/>
+                    <a:p>
+                      <a:r>
+                        <a:rPr lang="en-US" dirty="0" err="1" smtClean="0"/>
+                        <a:t>Runlevel</a:t>
+                      </a:r>
+                      <a:r>
+                        <a:rPr lang="en-US" baseline="0" dirty="0" smtClean="0"/>
+                        <a:t> 3</a:t>
+                      </a:r>
+                      <a:endParaRPr lang="en-US" dirty="0"/>
+                    </a:p>
+                  </a:txBody>
+                  <a:tcPr/>
+                </a:tc>
+              </a:tr>
+              <a:tr h="205740">
+                <a:tc>
+                  <a:txBody>
+                    <a:bodyPr/>
+                    <a:lstStyle/>
+                    <a:p>
+                      <a:r>
+                        <a:rPr lang="en-US" dirty="0" err="1" smtClean="0"/>
+                        <a:t>Graphical.target</a:t>
+                      </a:r>
+                      <a:endParaRPr lang="en-US" dirty="0"/>
+                    </a:p>
+                  </a:txBody>
+                  <a:tcPr/>
+                </a:tc>
+                <a:tc>
+                  <a:txBody>
+                    <a:bodyPr/>
+                    <a:lstStyle/>
+                    <a:p>
+                      <a:r>
+                        <a:rPr lang="en-US" dirty="0" err="1" smtClean="0"/>
+                        <a:t>Runlevel</a:t>
+                      </a:r>
+                      <a:r>
+                        <a:rPr lang="en-US" dirty="0" smtClean="0"/>
+                        <a:t> 5</a:t>
+                      </a:r>
+                      <a:endParaRPr lang="en-US" dirty="0"/>
+                    </a:p>
+                  </a:txBody>
+                  <a:tcPr/>
+                </a:tc>
+              </a:tr>
+              <a:tr h="205740">
+                <a:tc>
+                  <a:txBody>
+                    <a:bodyPr/>
+                    <a:lstStyle/>
+                    <a:p>
+                      <a:r>
+                        <a:rPr lang="en-US" dirty="0" err="1" smtClean="0"/>
+                        <a:t>Reboot.target</a:t>
+                      </a:r>
+                      <a:endParaRPr lang="en-US" dirty="0"/>
+                    </a:p>
+                  </a:txBody>
+                  <a:tcPr/>
+                </a:tc>
+                <a:tc>
+                  <a:txBody>
+                    <a:bodyPr/>
+                    <a:lstStyle/>
+                    <a:p>
+                      <a:r>
+                        <a:rPr lang="en-US" dirty="0" err="1" smtClean="0"/>
+                        <a:t>Runlevel</a:t>
+                      </a:r>
+                      <a:r>
+                        <a:rPr lang="en-US" dirty="0" smtClean="0"/>
+                        <a:t> 6</a:t>
+                      </a:r>
+                      <a:endParaRPr lang="en-US" dirty="0"/>
+                    </a:p>
+                  </a:txBody>
+                  <a:tcPr/>
+                </a:tc>
+              </a:tr>
+            </a:tbl>
+          </a:graphicData>
+        </a:graphic>
+      </p:graphicFrame>
+    </p:spTree>
+    <p:extLst>
+      <p:ext uri="{BB962C8B-B14F-4D97-AF65-F5344CB8AC3E}">
+        <p14:creationId xmlns:p14="http://schemas.microsoft.com/office/powerpoint/2010/main" val="2934027754"/>
+      </p:ext>
+    </p:extLst>
+  </p:cSld>
+  <p:clrMapOvr>
+    <a:masterClrMapping/>
+  </p:clrMapOvr>
+</p:sld>
+</file>
+
+<file path=ppt/slides/slide6.xml><?xml version="1.0" encoding="utf-8"?>
+<p:sld xmlns:a="http://schemas.openxmlformats.org/drawingml/2006/main" xmlns:r="http://schemas.openxmlformats.org/officeDocument/2006/relationships" xmlns:p="http://schemas.openxmlformats.org/presentationml/2006/main">
+  <p:cSld>
+    <p:spTree>
+      <p:nvGrpSpPr>
+        <p:cNvPr id="1" name=""/>
+        <p:cNvGrpSpPr/>
+        <p:nvPr/>
+      </p:nvGrpSpPr>
+      <p:grpSpPr>
+        <a:xfrm>
+          <a:off x="0" y="0"/>
+          <a:ext cx="0" cy="0"/>
+          <a:chOff x="0" y="0"/>
+          <a:chExt cx="0" cy="0"/>
+        </a:xfrm>
+      </p:grpSpPr>
+      <p:sp>
+        <p:nvSpPr>
+          <p:cNvPr id="2" name="Title 1"/>
+          <p:cNvSpPr>
+            <a:spLocks noGrp="1"/>
+          </p:cNvSpPr>
+          <p:nvPr>
+            <p:ph type="ctrTitle"/>
+          </p:nvPr>
+        </p:nvSpPr>
+        <p:spPr/>
+        <p:txBody>
+          <a:bodyPr>
+            <a:noAutofit/>
+          </a:bodyPr>
+          <a:lstStyle/>
+          <a:p>
+            <a:r>
+              <a:rPr lang="en-US" sz="2000" dirty="0" smtClean="0">
+                <a:solidFill>
+                  <a:schemeClr val="accent6"/>
+                </a:solidFill>
+              </a:rPr>
+              <a:t/>
+            </a:r>
+            <a:br>
+              <a:rPr lang="en-US" sz="2000" dirty="0" smtClean="0">
+                <a:solidFill>
+                  <a:schemeClr val="accent6"/>
+                </a:solidFill>
+              </a:rPr>
+            </a:br>
+            <a:r>
+              <a:rPr lang="en-US" sz="2000" dirty="0">
+                <a:solidFill>
+                  <a:schemeClr val="accent6"/>
+                </a:solidFill>
+              </a:rPr>
+              <a:t/>
+            </a:r>
+            <a:br>
+              <a:rPr lang="en-US" sz="2000" dirty="0">
+                <a:solidFill>
+                  <a:schemeClr val="accent6"/>
+                </a:solidFill>
+              </a:rPr>
+            </a:br>
+            <a:r>
+              <a:rPr lang="en-US" sz="2000" dirty="0" smtClean="0">
+                <a:solidFill>
+                  <a:schemeClr val="accent6"/>
+                </a:solidFill>
+              </a:rPr>
+              <a:t/>
+            </a:r>
+            <a:br>
+              <a:rPr lang="en-US" sz="2000" dirty="0" smtClean="0">
+                <a:solidFill>
+                  <a:schemeClr val="accent6"/>
+                </a:solidFill>
+              </a:rPr>
+            </a:br>
+            <a:r>
+              <a:rPr lang="en-US" sz="2000" dirty="0" smtClean="0">
+                <a:solidFill>
+                  <a:schemeClr val="accent6"/>
+                </a:solidFill>
+              </a:rPr>
+              <a:t/>
+            </a:r>
+            <a:br>
+              <a:rPr lang="en-US" sz="2000" dirty="0" smtClean="0">
+                <a:solidFill>
+                  <a:schemeClr val="accent6"/>
+                </a:solidFill>
+              </a:rPr>
+            </a:br>
+            <a:r>
+              <a:rPr lang="en-US" sz="2000" dirty="0">
+                <a:solidFill>
+                  <a:schemeClr val="accent6"/>
+                </a:solidFill>
+              </a:rPr>
+              <a:t/>
+            </a:r>
+            <a:br>
+              <a:rPr lang="en-US" sz="2000" dirty="0">
+                <a:solidFill>
+                  <a:schemeClr val="accent6"/>
+                </a:solidFill>
+              </a:rPr>
+            </a:br>
+            <a:r>
+              <a:rPr lang="en-US" sz="2000" dirty="0" smtClean="0">
+                <a:solidFill>
+                  <a:schemeClr val="accent6"/>
+                </a:solidFill>
+              </a:rPr>
+              <a:t/>
+            </a:r>
+            <a:br>
+              <a:rPr lang="en-US" sz="2000" dirty="0" smtClean="0">
+                <a:solidFill>
+                  <a:schemeClr val="accent6"/>
+                </a:solidFill>
+              </a:rPr>
+            </a:br>
+            <a:r>
+              <a:rPr lang="en-US" sz="2000" dirty="0">
+                <a:solidFill>
+                  <a:schemeClr val="accent6"/>
+                </a:solidFill>
+              </a:rPr>
+              <a:t/>
+            </a:r>
+            <a:br>
+              <a:rPr lang="en-US" sz="2000" dirty="0">
+                <a:solidFill>
+                  <a:schemeClr val="accent6"/>
+                </a:solidFill>
+              </a:rPr>
+            </a:br>
+            <a:r>
+              <a:rPr lang="en-US" sz="2000" dirty="0" smtClean="0">
+                <a:solidFill>
+                  <a:schemeClr val="accent6"/>
+                </a:solidFill>
+              </a:rPr>
+              <a:t>The GRUB 2 boot loaders makes sure that you can boot Linux. GRUB2 is installed in the boot sector of your server’s hard drive and is configured to load a Linux kernel and </a:t>
+            </a:r>
+            <a:r>
+              <a:rPr lang="en-US" sz="2000" dirty="0" err="1" smtClean="0">
+                <a:solidFill>
+                  <a:schemeClr val="accent6"/>
+                </a:solidFill>
+              </a:rPr>
+              <a:t>initramfs</a:t>
+            </a:r>
+            <a:r>
+              <a:rPr lang="en-US" sz="2000" dirty="0" smtClean="0">
+                <a:solidFill>
+                  <a:schemeClr val="accent6"/>
+                </a:solidFill>
+              </a:rPr>
+              <a:t>.</a:t>
+            </a:r>
+            <a:br>
+              <a:rPr lang="en-US" sz="2000" dirty="0" smtClean="0">
+                <a:solidFill>
+                  <a:schemeClr val="accent6"/>
+                </a:solidFill>
+              </a:rPr>
+            </a:br>
+            <a:r>
+              <a:rPr lang="en-US" sz="2000" dirty="0">
+                <a:solidFill>
+                  <a:schemeClr val="accent6"/>
+                </a:solidFill>
+              </a:rPr>
+              <a:t/>
+            </a:r>
+            <a:br>
+              <a:rPr lang="en-US" sz="2000" dirty="0">
+                <a:solidFill>
+                  <a:schemeClr val="accent6"/>
+                </a:solidFill>
+              </a:rPr>
+            </a:br>
+            <a:r>
+              <a:rPr lang="en-US" sz="2000" dirty="0" err="1" smtClean="0">
+                <a:solidFill>
+                  <a:schemeClr val="accent6"/>
+                </a:solidFill>
+              </a:rPr>
+              <a:t>Initramfs</a:t>
+            </a:r>
+            <a:r>
+              <a:rPr lang="en-US" sz="2000" dirty="0" smtClean="0">
+                <a:solidFill>
+                  <a:schemeClr val="accent6"/>
+                </a:solidFill>
+              </a:rPr>
+              <a:t> contains drivers that are needed to start your server. It contains a mini file system that is mounted </a:t>
+            </a:r>
+            <a:r>
+              <a:rPr lang="en-US" sz="2000" dirty="0" err="1" smtClean="0">
+                <a:solidFill>
+                  <a:schemeClr val="accent6"/>
+                </a:solidFill>
+              </a:rPr>
+              <a:t>druging</a:t>
+            </a:r>
+            <a:r>
+              <a:rPr lang="en-US" sz="2000" dirty="0" smtClean="0">
+                <a:solidFill>
+                  <a:schemeClr val="accent6"/>
+                </a:solidFill>
+              </a:rPr>
+              <a:t> boot. In it are kernel modules that are needed during the rest of the boot process (</a:t>
+            </a:r>
+            <a:r>
+              <a:rPr lang="en-US" sz="2000" dirty="0" err="1" smtClean="0">
+                <a:solidFill>
+                  <a:schemeClr val="accent6"/>
+                </a:solidFill>
+              </a:rPr>
+              <a:t>eg.LVM</a:t>
+            </a:r>
+            <a:r>
+              <a:rPr lang="en-US" sz="2000" dirty="0" smtClean="0">
+                <a:solidFill>
+                  <a:schemeClr val="accent6"/>
+                </a:solidFill>
+              </a:rPr>
+              <a:t> and SCSI modules for accessing disks that are not supported by default).</a:t>
+            </a:r>
+            <a:br>
+              <a:rPr lang="en-US" sz="2000" dirty="0" smtClean="0">
+                <a:solidFill>
+                  <a:schemeClr val="accent6"/>
+                </a:solidFill>
+              </a:rPr>
+            </a:br>
+            <a:r>
+              <a:rPr lang="en-US" sz="2000" dirty="0">
+                <a:solidFill>
+                  <a:schemeClr val="accent6"/>
+                </a:solidFill>
+              </a:rPr>
+              <a:t/>
+            </a:r>
+            <a:br>
+              <a:rPr lang="en-US" sz="2000" dirty="0">
+                <a:solidFill>
+                  <a:schemeClr val="accent6"/>
+                </a:solidFill>
+              </a:rPr>
+            </a:br>
+            <a:r>
+              <a:rPr lang="en-US" sz="2000" dirty="0" smtClean="0">
+                <a:solidFill>
+                  <a:schemeClr val="accent6"/>
+                </a:solidFill>
+              </a:rPr>
+              <a:t>Exercises:</a:t>
+            </a:r>
+            <a:br>
+              <a:rPr lang="en-US" sz="2000" dirty="0" smtClean="0">
+                <a:solidFill>
+                  <a:schemeClr val="accent6"/>
+                </a:solidFill>
+              </a:rPr>
+            </a:br>
+            <a:r>
+              <a:rPr lang="en-US" sz="2000" dirty="0" smtClean="0">
+                <a:solidFill>
+                  <a:schemeClr val="accent6"/>
+                </a:solidFill>
+              </a:rPr>
+              <a:t>1.cat /</a:t>
+            </a:r>
+            <a:r>
+              <a:rPr lang="en-US" sz="2000" dirty="0" err="1" smtClean="0">
+                <a:solidFill>
+                  <a:schemeClr val="accent6"/>
+                </a:solidFill>
+              </a:rPr>
+              <a:t>etc</a:t>
+            </a:r>
+            <a:r>
+              <a:rPr lang="en-US" sz="2000" dirty="0" smtClean="0">
+                <a:solidFill>
+                  <a:schemeClr val="accent6"/>
+                </a:solidFill>
+              </a:rPr>
+              <a:t>/default/grub</a:t>
+            </a:r>
+            <a:br>
+              <a:rPr lang="en-US" sz="2000" dirty="0" smtClean="0">
+                <a:solidFill>
+                  <a:schemeClr val="accent6"/>
+                </a:solidFill>
+              </a:rPr>
+            </a:br>
+            <a:r>
+              <a:rPr lang="en-US" sz="2000" dirty="0" smtClean="0">
+                <a:solidFill>
+                  <a:schemeClr val="accent6"/>
+                </a:solidFill>
+              </a:rPr>
+              <a:t>2. cat /proc/</a:t>
+            </a:r>
+            <a:r>
+              <a:rPr lang="en-US" sz="2000" dirty="0" err="1" smtClean="0">
+                <a:solidFill>
+                  <a:schemeClr val="accent6"/>
+                </a:solidFill>
+              </a:rPr>
+              <a:t>cmdline</a:t>
+            </a:r>
+            <a:r>
+              <a:rPr lang="en-US" sz="2000" dirty="0" smtClean="0">
+                <a:solidFill>
+                  <a:schemeClr val="accent6"/>
+                </a:solidFill>
+              </a:rPr>
+              <a:t/>
+            </a:r>
+            <a:br>
+              <a:rPr lang="en-US" sz="2000" dirty="0" smtClean="0">
+                <a:solidFill>
+                  <a:schemeClr val="accent6"/>
+                </a:solidFill>
+              </a:rPr>
+            </a:br>
+            <a:r>
+              <a:rPr lang="en-US" sz="2000" dirty="0" smtClean="0">
+                <a:solidFill>
+                  <a:schemeClr val="accent6"/>
+                </a:solidFill>
+              </a:rPr>
+              <a:t/>
+            </a:r>
+            <a:br>
+              <a:rPr lang="en-US" sz="2000" dirty="0" smtClean="0">
+                <a:solidFill>
+                  <a:schemeClr val="accent6"/>
+                </a:solidFill>
+              </a:rPr>
+            </a:br>
+            <a:r>
+              <a:rPr lang="en-US" sz="2000" dirty="0" smtClean="0">
+                <a:solidFill>
+                  <a:schemeClr val="accent6"/>
+                </a:solidFill>
+              </a:rPr>
+              <a:t>You won’t have to modify anything if you want to select from different kernels. GRUB2 picks up new kernels automatically.</a:t>
+            </a:r>
+            <a:br>
+              <a:rPr lang="en-US" sz="2000" dirty="0" smtClean="0">
+                <a:solidFill>
+                  <a:schemeClr val="accent6"/>
+                </a:solidFill>
+              </a:rPr>
+            </a:br>
+            <a:r>
+              <a:rPr lang="en-US" sz="2000" dirty="0" smtClean="0">
+                <a:solidFill>
+                  <a:schemeClr val="accent6"/>
+                </a:solidFill>
+              </a:rPr>
+              <a:t>The base configuration file is /boot/grub2/</a:t>
+            </a:r>
+            <a:r>
+              <a:rPr lang="en-US" sz="2000" dirty="0" err="1" smtClean="0">
+                <a:solidFill>
+                  <a:schemeClr val="accent6"/>
+                </a:solidFill>
+              </a:rPr>
+              <a:t>grub.cfg</a:t>
+            </a:r>
+            <a:r>
+              <a:rPr lang="en-US" sz="2000" dirty="0" smtClean="0">
+                <a:solidFill>
+                  <a:schemeClr val="accent6"/>
+                </a:solidFill>
+              </a:rPr>
+              <a:t> =&gt; never change it manually! To change GRUB2 settings, use grub2-mkconfig.</a:t>
+            </a:r>
+            <a:br>
+              <a:rPr lang="en-US" sz="2000" dirty="0" smtClean="0">
+                <a:solidFill>
+                  <a:schemeClr val="accent6"/>
+                </a:solidFill>
+              </a:rPr>
+            </a:br>
+            <a:r>
+              <a:rPr lang="en-US" sz="2000" dirty="0">
+                <a:solidFill>
+                  <a:schemeClr val="accent6"/>
+                </a:solidFill>
+              </a:rPr>
+              <a:t/>
+            </a:r>
+            <a:br>
+              <a:rPr lang="en-US" sz="2000" dirty="0">
+                <a:solidFill>
+                  <a:schemeClr val="accent6"/>
+                </a:solidFill>
+              </a:rPr>
+            </a:br>
+            <a:r>
+              <a:rPr lang="en-US" sz="2000" dirty="0" smtClean="0">
+                <a:solidFill>
+                  <a:schemeClr val="accent6"/>
+                </a:solidFill>
+              </a:rPr>
+              <a:t>Exercise:</a:t>
+            </a:r>
+            <a:br>
+              <a:rPr lang="en-US" sz="2000" dirty="0" smtClean="0">
+                <a:solidFill>
+                  <a:schemeClr val="accent6"/>
+                </a:solidFill>
+              </a:rPr>
+            </a:br>
+            <a:r>
+              <a:rPr lang="en-US" sz="2000" dirty="0" smtClean="0">
+                <a:solidFill>
+                  <a:schemeClr val="accent6"/>
+                </a:solidFill>
+              </a:rPr>
+              <a:t>1. man grub2-mkconfig</a:t>
+            </a:r>
+            <a:br>
+              <a:rPr lang="en-US" sz="2000" dirty="0" smtClean="0">
+                <a:solidFill>
+                  <a:schemeClr val="accent6"/>
+                </a:solidFill>
+              </a:rPr>
+            </a:br>
+            <a:r>
+              <a:rPr lang="en-US" sz="2000" dirty="0" smtClean="0">
+                <a:solidFill>
+                  <a:schemeClr val="accent6"/>
+                </a:solidFill>
+              </a:rPr>
+              <a:t>2. That’s was a short man page : ) </a:t>
+            </a:r>
+            <a:br>
+              <a:rPr lang="en-US" sz="2000" dirty="0" smtClean="0">
+                <a:solidFill>
+                  <a:schemeClr val="accent6"/>
+                </a:solidFill>
+              </a:rPr>
+            </a:br>
+            <a:r>
+              <a:rPr lang="en-US" sz="2000" dirty="0">
+                <a:solidFill>
+                  <a:schemeClr val="accent6"/>
+                </a:solidFill>
+              </a:rPr>
+              <a:t/>
+            </a:r>
+            <a:br>
+              <a:rPr lang="en-US" sz="2000" dirty="0">
+                <a:solidFill>
+                  <a:schemeClr val="accent6"/>
+                </a:solidFill>
+              </a:rPr>
+            </a:br>
+            <a:endParaRPr lang="en-US" sz="2000" dirty="0">
+              <a:solidFill>
+                <a:schemeClr val="accent6"/>
+              </a:solidFill>
+            </a:endParaRPr>
+          </a:p>
+        </p:txBody>
+      </p:sp>
+    </p:spTree>
+    <p:extLst>
+      <p:ext uri="{BB962C8B-B14F-4D97-AF65-F5344CB8AC3E}">
+        <p14:creationId xmlns:p14="http://schemas.microsoft.com/office/powerpoint/2010/main" val="711071122"/>
+      </p:ext>
+    </p:extLst>
+  </p:cSld>
+  <p:clrMapOvr>
+    <a:masterClrMapping/>
+  </p:clrMapOvr>
+</p:sld>
+</file>
+
+<file path=ppt/slides/slide7.xml><?xml version="1.0" encoding="utf-8"?>
+<p:sld xmlns:a="http://schemas.openxmlformats.org/drawingml/2006/main" xmlns:r="http://schemas.openxmlformats.org/officeDocument/2006/relationships" xmlns:p="http://schemas.openxmlformats.org/presentationml/2006/main">
+  <p:cSld>
+    <p:spTree>
+      <p:nvGrpSpPr>
+        <p:cNvPr id="1" name=""/>
+        <p:cNvGrpSpPr/>
+        <p:nvPr/>
+      </p:nvGrpSpPr>
+      <p:grpSpPr>
+        <a:xfrm>
+          <a:off x="0" y="0"/>
+          <a:ext cx="0" cy="0"/>
+          <a:chOff x="0" y="0"/>
+          <a:chExt cx="0" cy="0"/>
+        </a:xfrm>
+      </p:grpSpPr>
+      <p:sp>
+        <p:nvSpPr>
+          <p:cNvPr id="2" name="Title 1"/>
+          <p:cNvSpPr>
+            <a:spLocks noGrp="1"/>
+          </p:cNvSpPr>
+          <p:nvPr>
+            <p:ph type="title"/>
+          </p:nvPr>
+        </p:nvSpPr>
+        <p:spPr/>
+        <p:txBody>
+          <a:bodyPr>
+            <a:normAutofit fontScale="90000"/>
+          </a:bodyPr>
+          <a:lstStyle/>
+          <a:p>
+            <a:r>
+              <a:rPr lang="en-US" dirty="0" smtClean="0">
+                <a:solidFill>
+                  <a:schemeClr val="accent6"/>
+                </a:solidFill>
+              </a:rPr>
+              <a:t/>
+            </a:r>
+            <a:br>
+              <a:rPr lang="en-US" dirty="0" smtClean="0">
+                <a:solidFill>
+                  <a:schemeClr val="accent6"/>
+                </a:solidFill>
+              </a:rPr>
+            </a:br>
+            <a:r>
+              <a:rPr lang="en-US" dirty="0">
+                <a:solidFill>
+                  <a:schemeClr val="accent6"/>
+                </a:solidFill>
+              </a:rPr>
+              <a:t/>
+            </a:r>
+            <a:br>
+              <a:rPr lang="en-US" dirty="0">
+                <a:solidFill>
+                  <a:schemeClr val="accent6"/>
+                </a:solidFill>
+              </a:rPr>
+            </a:br>
+            <a:r>
+              <a:rPr lang="en-US" dirty="0" smtClean="0">
+                <a:solidFill>
+                  <a:schemeClr val="accent6"/>
+                </a:solidFill>
+              </a:rPr>
+              <a:t/>
+            </a:r>
+            <a:br>
+              <a:rPr lang="en-US" dirty="0" smtClean="0">
+                <a:solidFill>
+                  <a:schemeClr val="accent6"/>
+                </a:solidFill>
+              </a:rPr>
+            </a:br>
+            <a:r>
+              <a:rPr lang="en-US" dirty="0">
+                <a:solidFill>
+                  <a:schemeClr val="accent6"/>
+                </a:solidFill>
+              </a:rPr>
+              <a:t/>
+            </a:r>
+            <a:br>
+              <a:rPr lang="en-US" dirty="0">
+                <a:solidFill>
+                  <a:schemeClr val="accent6"/>
+                </a:solidFill>
+              </a:rPr>
+            </a:br>
+            <a:r>
+              <a:rPr lang="en-US" dirty="0" smtClean="0">
+                <a:solidFill>
+                  <a:schemeClr val="accent6"/>
+                </a:solidFill>
+              </a:rPr>
+              <a:t/>
+            </a:r>
+            <a:br>
+              <a:rPr lang="en-US" dirty="0" smtClean="0">
+                <a:solidFill>
+                  <a:schemeClr val="accent6"/>
+                </a:solidFill>
+              </a:rPr>
+            </a:br>
+            <a:r>
+              <a:rPr lang="en-US" dirty="0">
+                <a:solidFill>
+                  <a:schemeClr val="accent6"/>
+                </a:solidFill>
+              </a:rPr>
+              <a:t/>
+            </a:r>
+            <a:br>
+              <a:rPr lang="en-US" dirty="0">
+                <a:solidFill>
+                  <a:schemeClr val="accent6"/>
+                </a:solidFill>
+              </a:rPr>
+            </a:br>
+            <a:r>
+              <a:rPr lang="en-US" sz="2700" dirty="0" smtClean="0">
+                <a:solidFill>
+                  <a:schemeClr val="accent6"/>
+                </a:solidFill>
+              </a:rPr>
+              <a:t>To apply modifications to the GRUB 2 boot loader, the file /</a:t>
+            </a:r>
+            <a:r>
+              <a:rPr lang="en-US" sz="2700" dirty="0" err="1" smtClean="0">
+                <a:solidFill>
+                  <a:schemeClr val="accent6"/>
+                </a:solidFill>
+              </a:rPr>
+              <a:t>etc</a:t>
+            </a:r>
+            <a:r>
+              <a:rPr lang="en-US" sz="2700" dirty="0" smtClean="0">
+                <a:solidFill>
+                  <a:schemeClr val="accent6"/>
+                </a:solidFill>
+              </a:rPr>
+              <a:t>/default/grub is your entry point. </a:t>
+            </a:r>
+            <a:br>
+              <a:rPr lang="en-US" sz="2700" dirty="0" smtClean="0">
+                <a:solidFill>
+                  <a:schemeClr val="accent6"/>
+                </a:solidFill>
+              </a:rPr>
+            </a:br>
+            <a:r>
+              <a:rPr lang="en-US" sz="2700" dirty="0" smtClean="0">
+                <a:solidFill>
+                  <a:srgbClr val="FF0000"/>
+                </a:solidFill>
+              </a:rPr>
+              <a:t>Exercises</a:t>
+            </a:r>
+            <a:r>
+              <a:rPr lang="en-US" sz="2700" dirty="0" smtClean="0">
+                <a:solidFill>
+                  <a:schemeClr val="accent6"/>
+                </a:solidFill>
+              </a:rPr>
+              <a:t>:</a:t>
+            </a:r>
+            <a:br>
+              <a:rPr lang="en-US" sz="2700" dirty="0" smtClean="0">
+                <a:solidFill>
+                  <a:schemeClr val="accent6"/>
+                </a:solidFill>
+              </a:rPr>
+            </a:br>
+            <a:r>
+              <a:rPr lang="en-US" sz="2700" dirty="0" smtClean="0">
+                <a:solidFill>
+                  <a:schemeClr val="accent6"/>
+                </a:solidFill>
+              </a:rPr>
+              <a:t>1. Remove ‘</a:t>
+            </a:r>
+            <a:r>
+              <a:rPr lang="en-US" sz="2700" dirty="0" err="1" smtClean="0">
+                <a:solidFill>
+                  <a:schemeClr val="accent6"/>
+                </a:solidFill>
+              </a:rPr>
+              <a:t>rghb</a:t>
+            </a:r>
+            <a:r>
+              <a:rPr lang="en-US" sz="2700" dirty="0" smtClean="0">
+                <a:solidFill>
+                  <a:schemeClr val="accent6"/>
+                </a:solidFill>
+              </a:rPr>
+              <a:t>’ and ‘quiet’ options from there. They tell the kernel to hide all the output while it’s booting.</a:t>
+            </a:r>
+            <a:br>
+              <a:rPr lang="en-US" sz="2700" dirty="0" smtClean="0">
+                <a:solidFill>
+                  <a:schemeClr val="accent6"/>
+                </a:solidFill>
+              </a:rPr>
+            </a:br>
+            <a:r>
+              <a:rPr lang="en-US" sz="2700" dirty="0" smtClean="0">
+                <a:solidFill>
+                  <a:schemeClr val="accent6"/>
+                </a:solidFill>
+              </a:rPr>
+              <a:t>2. Set GRUB_TIMEOUT = 10 seconds.</a:t>
+            </a:r>
+            <a:br>
+              <a:rPr lang="en-US" sz="2700" dirty="0" smtClean="0">
+                <a:solidFill>
+                  <a:schemeClr val="accent6"/>
+                </a:solidFill>
+              </a:rPr>
+            </a:br>
+            <a:r>
+              <a:rPr lang="en-US" sz="2700" dirty="0" smtClean="0">
+                <a:solidFill>
+                  <a:schemeClr val="accent6"/>
+                </a:solidFill>
+              </a:rPr>
+              <a:t>3. Save changes to the file.</a:t>
+            </a:r>
+            <a:br>
+              <a:rPr lang="en-US" sz="2700" dirty="0" smtClean="0">
+                <a:solidFill>
+                  <a:schemeClr val="accent6"/>
+                </a:solidFill>
+              </a:rPr>
+            </a:br>
+            <a:r>
+              <a:rPr lang="en-US" sz="2700" dirty="0" smtClean="0">
+                <a:solidFill>
+                  <a:schemeClr val="accent6"/>
+                </a:solidFill>
+              </a:rPr>
+              <a:t>4. grub2-mkconfig &gt; /boot/grub2/</a:t>
+            </a:r>
+            <a:r>
+              <a:rPr lang="en-US" sz="2700" dirty="0" err="1" smtClean="0">
+                <a:solidFill>
+                  <a:schemeClr val="accent6"/>
+                </a:solidFill>
+              </a:rPr>
+              <a:t>grub.cfg</a:t>
+            </a:r>
+            <a:r>
+              <a:rPr lang="en-US" sz="2700" dirty="0" smtClean="0">
+                <a:solidFill>
+                  <a:schemeClr val="accent6"/>
+                </a:solidFill>
+              </a:rPr>
+              <a:t/>
+            </a:r>
+            <a:br>
+              <a:rPr lang="en-US" sz="2700" dirty="0" smtClean="0">
+                <a:solidFill>
+                  <a:schemeClr val="accent6"/>
+                </a:solidFill>
+              </a:rPr>
+            </a:br>
+            <a:r>
+              <a:rPr lang="en-US" sz="2700" dirty="0" smtClean="0">
+                <a:solidFill>
+                  <a:schemeClr val="accent6"/>
+                </a:solidFill>
+              </a:rPr>
+              <a:t>5. Reboot</a:t>
+            </a:r>
+            <a:endParaRPr lang="en-US" sz="2700" dirty="0">
+              <a:solidFill>
+                <a:schemeClr val="accent6"/>
+              </a:solidFill>
+            </a:endParaRPr>
+          </a:p>
+        </p:txBody>
+      </p:sp>
+    </p:spTree>
+    <p:extLst>
+      <p:ext uri="{BB962C8B-B14F-4D97-AF65-F5344CB8AC3E}">
+        <p14:creationId xmlns:p14="http://schemas.microsoft.com/office/powerpoint/2010/main" val="2741417534"/>
+      </p:ext>
+    </p:extLst>
+  </p:cSld>
+  <p:clrMapOvr>
+    <a:masterClrMapping/>
+  </p:clrMapOvr>
+</p:sld>
+</file>
+
+<file path=ppt/slides/slide8.xml><?xml version="1.0" encoding="utf-8"?>
+<p:sld xmlns:a="http://schemas.openxmlformats.org/drawingml/2006/main" xmlns:r="http://schemas.openxmlformats.org/officeDocument/2006/relationships" xmlns:p="http://schemas.openxmlformats.org/presentationml/2006/main">
+  <p:cSld>
+    <p:spTree>
+      <p:nvGrpSpPr>
+        <p:cNvPr id="1" name=""/>
+        <p:cNvGrpSpPr/>
+        <p:nvPr/>
+      </p:nvGrpSpPr>
+      <p:grpSpPr>
+        <a:xfrm>
+          <a:off x="0" y="0"/>
+          <a:ext cx="0" cy="0"/>
+          <a:chOff x="0" y="0"/>
+          <a:chExt cx="0" cy="0"/>
+        </a:xfrm>
+      </p:grpSpPr>
+      <p:sp>
+        <p:nvSpPr>
+          <p:cNvPr id="2" name="Title 1"/>
+          <p:cNvSpPr>
+            <a:spLocks noGrp="1"/>
+          </p:cNvSpPr>
+          <p:nvPr>
+            <p:ph type="title"/>
+          </p:nvPr>
+        </p:nvSpPr>
+        <p:spPr/>
+        <p:txBody>
+          <a:bodyPr>
+            <a:normAutofit fontScale="90000"/>
+          </a:bodyPr>
+          <a:lstStyle/>
+          <a:p>
+            <a:r>
+              <a:rPr lang="en-US" dirty="0" smtClean="0">
+                <a:solidFill>
+                  <a:schemeClr val="accent6"/>
+                </a:solidFill>
+              </a:rPr>
+              <a:t/>
+            </a:r>
+            <a:br>
+              <a:rPr lang="en-US" dirty="0" smtClean="0">
+                <a:solidFill>
+                  <a:schemeClr val="accent6"/>
+                </a:solidFill>
+              </a:rPr>
+            </a:br>
+            <a:r>
+              <a:rPr lang="en-US" dirty="0">
+                <a:solidFill>
+                  <a:schemeClr val="accent6"/>
+                </a:solidFill>
+              </a:rPr>
+              <a:t/>
+            </a:r>
+            <a:br>
+              <a:rPr lang="en-US" dirty="0">
+                <a:solidFill>
+                  <a:schemeClr val="accent6"/>
+                </a:solidFill>
+              </a:rPr>
+            </a:br>
+            <a:r>
+              <a:rPr lang="en-US" dirty="0">
+                <a:solidFill>
+                  <a:schemeClr val="accent6"/>
+                </a:solidFill>
+              </a:rPr>
+              <a:t/>
+            </a:r>
+            <a:br>
+              <a:rPr lang="en-US" dirty="0">
+                <a:solidFill>
+                  <a:schemeClr val="accent6"/>
+                </a:solidFill>
+              </a:rPr>
+            </a:br>
+            <a:r>
+              <a:rPr lang="en-US" sz="2000" dirty="0" smtClean="0">
+                <a:solidFill>
+                  <a:schemeClr val="accent6"/>
+                </a:solidFill>
+              </a:rPr>
+              <a:t>Resetting the root password, yeah it’s possible in Linux </a:t>
+            </a:r>
+            <a:r>
+              <a:rPr lang="en-US" sz="2000" dirty="0" smtClean="0">
+                <a:solidFill>
+                  <a:schemeClr val="accent6"/>
+                </a:solidFill>
+                <a:sym typeface="Wingdings" panose="05000000000000000000" pitchFamily="2" charset="2"/>
+              </a:rPr>
+              <a:t></a:t>
+            </a:r>
+            <a:br>
+              <a:rPr lang="en-US" sz="2000" dirty="0" smtClean="0">
+                <a:solidFill>
+                  <a:schemeClr val="accent6"/>
+                </a:solidFill>
+                <a:sym typeface="Wingdings" panose="05000000000000000000" pitchFamily="2" charset="2"/>
+              </a:rPr>
+            </a:br>
+            <a:r>
+              <a:rPr lang="en-US" sz="2000" dirty="0">
+                <a:solidFill>
+                  <a:schemeClr val="accent6"/>
+                </a:solidFill>
+                <a:sym typeface="Wingdings" panose="05000000000000000000" pitchFamily="2" charset="2"/>
+              </a:rPr>
+              <a:t/>
+            </a:r>
+            <a:br>
+              <a:rPr lang="en-US" sz="2000" dirty="0">
+                <a:solidFill>
+                  <a:schemeClr val="accent6"/>
+                </a:solidFill>
+                <a:sym typeface="Wingdings" panose="05000000000000000000" pitchFamily="2" charset="2"/>
+              </a:rPr>
+            </a:br>
+            <a:r>
+              <a:rPr lang="en-US" sz="2000" dirty="0" smtClean="0">
+                <a:solidFill>
+                  <a:schemeClr val="accent6"/>
+                </a:solidFill>
+                <a:sym typeface="Wingdings" panose="05000000000000000000" pitchFamily="2" charset="2"/>
+              </a:rPr>
+              <a:t>1. Boot your system and wait until the GRUB2 menu appears.</a:t>
+            </a:r>
+            <a:br>
+              <a:rPr lang="en-US" sz="2000" dirty="0" smtClean="0">
+                <a:solidFill>
+                  <a:schemeClr val="accent6"/>
+                </a:solidFill>
+                <a:sym typeface="Wingdings" panose="05000000000000000000" pitchFamily="2" charset="2"/>
+              </a:rPr>
+            </a:br>
+            <a:r>
+              <a:rPr lang="en-US" sz="2000" dirty="0" smtClean="0">
+                <a:solidFill>
+                  <a:schemeClr val="accent6"/>
+                </a:solidFill>
+                <a:sym typeface="Wingdings" panose="05000000000000000000" pitchFamily="2" charset="2"/>
+              </a:rPr>
+              <a:t>2. Highlight the any entry and press ‘e’.</a:t>
+            </a:r>
+            <a:br>
+              <a:rPr lang="en-US" sz="2000" dirty="0" smtClean="0">
+                <a:solidFill>
+                  <a:schemeClr val="accent6"/>
+                </a:solidFill>
+                <a:sym typeface="Wingdings" panose="05000000000000000000" pitchFamily="2" charset="2"/>
+              </a:rPr>
+            </a:br>
+            <a:r>
+              <a:rPr lang="en-US" sz="2000" dirty="0" smtClean="0">
+                <a:solidFill>
+                  <a:schemeClr val="accent6"/>
+                </a:solidFill>
+                <a:sym typeface="Wingdings" panose="05000000000000000000" pitchFamily="2" charset="2"/>
+              </a:rPr>
+              <a:t>3. Add ‘</a:t>
+            </a:r>
+            <a:r>
+              <a:rPr lang="en-US" sz="2000" dirty="0" err="1" smtClean="0">
+                <a:solidFill>
+                  <a:schemeClr val="accent6"/>
+                </a:solidFill>
+                <a:sym typeface="Wingdings" panose="05000000000000000000" pitchFamily="2" charset="2"/>
+              </a:rPr>
+              <a:t>rd.break</a:t>
+            </a:r>
+            <a:r>
+              <a:rPr lang="en-US" sz="2000" dirty="0" smtClean="0">
+                <a:solidFill>
+                  <a:schemeClr val="accent6"/>
+                </a:solidFill>
+                <a:sym typeface="Wingdings" panose="05000000000000000000" pitchFamily="2" charset="2"/>
+              </a:rPr>
+              <a:t>’ to the end of the line that starts with </a:t>
+            </a:r>
+            <a:r>
+              <a:rPr lang="en-US" sz="2000" dirty="0" err="1" smtClean="0">
+                <a:solidFill>
+                  <a:schemeClr val="accent6"/>
+                </a:solidFill>
+                <a:sym typeface="Wingdings" panose="05000000000000000000" pitchFamily="2" charset="2"/>
+              </a:rPr>
+              <a:t>linux</a:t>
+            </a:r>
+            <a:r>
+              <a:rPr lang="en-US" sz="2000" dirty="0">
+                <a:solidFill>
+                  <a:schemeClr val="accent6"/>
+                </a:solidFill>
+                <a:sym typeface="Wingdings" panose="05000000000000000000" pitchFamily="2" charset="2"/>
+              </a:rPr>
+              <a:t> </a:t>
+            </a:r>
+            <a:r>
+              <a:rPr lang="en-US" sz="2000" dirty="0" smtClean="0">
+                <a:solidFill>
+                  <a:schemeClr val="accent6"/>
+                </a:solidFill>
+                <a:sym typeface="Wingdings" panose="05000000000000000000" pitchFamily="2" charset="2"/>
+              </a:rPr>
+              <a:t>/ ctrl + x to restart</a:t>
+            </a:r>
+            <a:br>
+              <a:rPr lang="en-US" sz="2000" dirty="0" smtClean="0">
+                <a:solidFill>
+                  <a:schemeClr val="accent6"/>
+                </a:solidFill>
+                <a:sym typeface="Wingdings" panose="05000000000000000000" pitchFamily="2" charset="2"/>
+              </a:rPr>
+            </a:br>
+            <a:r>
+              <a:rPr lang="en-US" sz="2000" dirty="0" smtClean="0">
+                <a:solidFill>
+                  <a:schemeClr val="accent6"/>
+                </a:solidFill>
+                <a:sym typeface="Wingdings" panose="05000000000000000000" pitchFamily="2" charset="2"/>
+              </a:rPr>
+              <a:t> ‘</a:t>
+            </a:r>
+            <a:r>
+              <a:rPr lang="en-US" sz="2000" dirty="0" err="1" smtClean="0">
+                <a:solidFill>
+                  <a:schemeClr val="accent6"/>
+                </a:solidFill>
+                <a:sym typeface="Wingdings" panose="05000000000000000000" pitchFamily="2" charset="2"/>
+              </a:rPr>
+              <a:t>rd.break</a:t>
+            </a:r>
+            <a:r>
+              <a:rPr lang="en-US" sz="2000" dirty="0" smtClean="0">
+                <a:solidFill>
+                  <a:schemeClr val="accent6"/>
+                </a:solidFill>
+                <a:sym typeface="Wingdings" panose="05000000000000000000" pitchFamily="2" charset="2"/>
+              </a:rPr>
+              <a:t>’ interrupts the boot process before control is passed from </a:t>
+            </a:r>
+            <a:r>
+              <a:rPr lang="en-US" sz="2000" dirty="0" err="1" smtClean="0">
+                <a:solidFill>
+                  <a:schemeClr val="accent6"/>
+                </a:solidFill>
+                <a:sym typeface="Wingdings" panose="05000000000000000000" pitchFamily="2" charset="2"/>
+              </a:rPr>
+              <a:t>initramfs</a:t>
+            </a:r>
+            <a:r>
+              <a:rPr lang="en-US" sz="2000" dirty="0" smtClean="0">
+                <a:solidFill>
+                  <a:schemeClr val="accent6"/>
+                </a:solidFill>
+                <a:sym typeface="Wingdings" panose="05000000000000000000" pitchFamily="2" charset="2"/>
+              </a:rPr>
+              <a:t> to </a:t>
+            </a:r>
+            <a:r>
+              <a:rPr lang="en-US" sz="2000" dirty="0" err="1" smtClean="0">
+                <a:solidFill>
+                  <a:schemeClr val="accent6"/>
+                </a:solidFill>
+                <a:sym typeface="Wingdings" panose="05000000000000000000" pitchFamily="2" charset="2"/>
+              </a:rPr>
+              <a:t>systemd</a:t>
+            </a:r>
+            <a:r>
+              <a:rPr lang="en-US" sz="2000" dirty="0" smtClean="0">
+                <a:solidFill>
+                  <a:schemeClr val="accent6"/>
+                </a:solidFill>
+                <a:sym typeface="Wingdings" panose="05000000000000000000" pitchFamily="2" charset="2"/>
+              </a:rPr>
+              <a:t> .</a:t>
+            </a:r>
+            <a:br>
+              <a:rPr lang="en-US" sz="2000" dirty="0" smtClean="0">
+                <a:solidFill>
+                  <a:schemeClr val="accent6"/>
+                </a:solidFill>
+                <a:sym typeface="Wingdings" panose="05000000000000000000" pitchFamily="2" charset="2"/>
+              </a:rPr>
+            </a:br>
+            <a:r>
+              <a:rPr lang="en-US" sz="2000" dirty="0" smtClean="0">
+                <a:solidFill>
+                  <a:schemeClr val="accent6"/>
+                </a:solidFill>
+                <a:sym typeface="Wingdings" panose="05000000000000000000" pitchFamily="2" charset="2"/>
+              </a:rPr>
+              <a:t> </a:t>
+            </a:r>
+            <a:endParaRPr lang="en-US" sz="2000" dirty="0">
+              <a:solidFill>
+                <a:schemeClr val="accent6"/>
+              </a:solidFill>
+            </a:endParaRPr>
+          </a:p>
+        </p:txBody>
+      </p:sp>
+      <p:pic>
+        <p:nvPicPr>
+          <p:cNvPr id="4" name="Content Placeholder 3"/>
+          <p:cNvPicPr>
+            <a:picLocks noGrp="1" noChangeAspect="1"/>
+          </p:cNvPicPr>
+          <p:nvPr>
+            <p:ph idx="1"/>
+          </p:nvPr>
+        </p:nvPicPr>
+        <p:blipFill>
+          <a:blip r:embed="rId2">
+            <a:extLst>
+              <a:ext uri="{28A0092B-C50C-407E-A947-70E740481C1C}">
+                <a14:useLocalDpi xmlns:a14="http://schemas.microsoft.com/office/drawing/2010/main" val="0"/>
+              </a:ext>
+            </a:extLst>
+          </a:blip>
+          <a:stretch>
+            <a:fillRect/>
+          </a:stretch>
+        </p:blipFill>
+        <p:spPr>
+          <a:xfrm>
+            <a:off x="76200" y="2971485"/>
+            <a:ext cx="4953000" cy="3139384"/>
+          </a:xfrm>
+        </p:spPr>
+      </p:pic>
+      <p:pic>
+        <p:nvPicPr>
+          <p:cNvPr id="5" name="Picture 4"/>
+          <p:cNvPicPr>
+            <a:picLocks noChangeAspect="1"/>
+          </p:cNvPicPr>
+          <p:nvPr/>
+        </p:nvPicPr>
+        <p:blipFill>
+          <a:blip r:embed="rId3">
+            <a:extLst>
+              <a:ext uri="{28A0092B-C50C-407E-A947-70E740481C1C}">
+                <a14:useLocalDpi xmlns:a14="http://schemas.microsoft.com/office/drawing/2010/main" val="0"/>
+              </a:ext>
+            </a:extLst>
+          </a:blip>
+          <a:stretch>
+            <a:fillRect/>
+          </a:stretch>
+        </p:blipFill>
+        <p:spPr>
+          <a:xfrm>
+            <a:off x="5181601" y="2971485"/>
+            <a:ext cx="3810000" cy="3139383"/>
+          </a:xfrm>
+          <a:prstGeom prst="rect">
+            <a:avLst/>
+          </a:prstGeom>
+        </p:spPr>
+      </p:pic>
+    </p:spTree>
+    <p:extLst>
+      <p:ext uri="{BB962C8B-B14F-4D97-AF65-F5344CB8AC3E}">
+        <p14:creationId xmlns:p14="http://schemas.microsoft.com/office/powerpoint/2010/main" val="41102422"/>
+      </p:ext>
+    </p:extLst>
+  </p:cSld>
+  <p:clrMapOvr>
+    <a:masterClrMapping/>
+  </p:clrMapOvr>
+</p:sld>
+</file>
+
+<file path=ppt/slides/slide9.xml><?xml version="1.0" encoding="utf-8"?>
+<p:sld xmlns:a="http://schemas.openxmlformats.org/drawingml/2006/main" xmlns:r="http://schemas.openxmlformats.org/officeDocument/2006/relationships" xmlns:p="http://schemas.openxmlformats.org/presentationml/2006/main">
+  <p:cSld>
+    <p:spTree>
+      <p:nvGrpSpPr>
+        <p:cNvPr id="1" name=""/>
+        <p:cNvGrpSpPr/>
+        <p:nvPr/>
+      </p:nvGrpSpPr>
+      <p:grpSpPr>
+        <a:xfrm>
+          <a:off x="0" y="0"/>
+          <a:ext cx="0" cy="0"/>
+          <a:chOff x="0" y="0"/>
+          <a:chExt cx="0" cy="0"/>
+        </a:xfrm>
+      </p:grpSpPr>
+      <p:sp>
+        <p:nvSpPr>
+          <p:cNvPr id="2" name="Title 1"/>
+          <p:cNvSpPr>
+            <a:spLocks noGrp="1"/>
+          </p:cNvSpPr>
+          <p:nvPr>
+            <p:ph type="title"/>
+          </p:nvPr>
+        </p:nvSpPr>
+        <p:spPr/>
+        <p:txBody>
+          <a:bodyPr>
+            <a:normAutofit fontScale="90000"/>
+          </a:bodyPr>
+          <a:lstStyle/>
+          <a:p>
+            <a:r>
+              <a:rPr lang="en-US" dirty="0" smtClean="0">
+                <a:solidFill>
+                  <a:schemeClr val="accent6"/>
+                </a:solidFill>
+              </a:rPr>
+              <a:t/>
+            </a:r>
+            <a:br>
+              <a:rPr lang="en-US" dirty="0" smtClean="0">
+                <a:solidFill>
+                  <a:schemeClr val="accent6"/>
+                </a:solidFill>
+              </a:rPr>
+            </a:br>
+            <a:r>
+              <a:rPr lang="en-US" dirty="0">
+                <a:solidFill>
+                  <a:schemeClr val="accent6"/>
+                </a:solidFill>
+              </a:rPr>
+              <a:t/>
+            </a:r>
+            <a:br>
+              <a:rPr lang="en-US" dirty="0">
+                <a:solidFill>
+                  <a:schemeClr val="accent6"/>
+                </a:solidFill>
+              </a:rPr>
+            </a:br>
+            <a:r>
+              <a:rPr lang="en-US" dirty="0" smtClean="0">
+                <a:solidFill>
+                  <a:schemeClr val="accent6"/>
+                </a:solidFill>
+              </a:rPr>
+              <a:t/>
+            </a:r>
+            <a:br>
+              <a:rPr lang="en-US" dirty="0" smtClean="0">
+                <a:solidFill>
+                  <a:schemeClr val="accent6"/>
+                </a:solidFill>
+              </a:rPr>
+            </a:br>
+            <a:r>
+              <a:rPr lang="en-US" dirty="0" smtClean="0">
+                <a:solidFill>
+                  <a:schemeClr val="accent6"/>
+                </a:solidFill>
+              </a:rPr>
+              <a:t/>
+            </a:r>
+            <a:br>
+              <a:rPr lang="en-US" dirty="0" smtClean="0">
+                <a:solidFill>
+                  <a:schemeClr val="accent6"/>
+                </a:solidFill>
+              </a:rPr>
+            </a:br>
+            <a:r>
+              <a:rPr lang="en-US" dirty="0">
+                <a:solidFill>
+                  <a:schemeClr val="accent6"/>
+                </a:solidFill>
+              </a:rPr>
+              <a:t/>
+            </a:r>
+            <a:br>
+              <a:rPr lang="en-US" dirty="0">
+                <a:solidFill>
+                  <a:schemeClr val="accent6"/>
+                </a:solidFill>
+              </a:rPr>
+            </a:br>
+            <a:r>
+              <a:rPr lang="en-US" dirty="0" smtClean="0">
+                <a:solidFill>
+                  <a:schemeClr val="accent6"/>
+                </a:solidFill>
+              </a:rPr>
+              <a:t/>
+            </a:r>
+            <a:br>
+              <a:rPr lang="en-US" dirty="0" smtClean="0">
+                <a:solidFill>
+                  <a:schemeClr val="accent6"/>
+                </a:solidFill>
+              </a:rPr>
+            </a:br>
+            <a:r>
+              <a:rPr lang="en-US" dirty="0">
+                <a:solidFill>
+                  <a:schemeClr val="accent6"/>
+                </a:solidFill>
+              </a:rPr>
+              <a:t/>
+            </a:r>
+            <a:br>
+              <a:rPr lang="en-US" dirty="0">
+                <a:solidFill>
+                  <a:schemeClr val="accent6"/>
+                </a:solidFill>
+              </a:rPr>
+            </a:br>
+            <a:r>
+              <a:rPr lang="en-US" sz="2000" dirty="0" smtClean="0">
+                <a:solidFill>
+                  <a:schemeClr val="accent6"/>
+                </a:solidFill>
+              </a:rPr>
+              <a:t>Now are in </a:t>
+            </a:r>
+            <a:r>
+              <a:rPr lang="en-US" sz="2000" dirty="0" err="1" smtClean="0">
+                <a:solidFill>
+                  <a:schemeClr val="accent6"/>
+                </a:solidFill>
+              </a:rPr>
+              <a:t>initramfs</a:t>
+            </a:r>
+            <a:r>
+              <a:rPr lang="en-US" sz="2000" dirty="0" smtClean="0">
+                <a:solidFill>
+                  <a:schemeClr val="accent6"/>
+                </a:solidFill>
+              </a:rPr>
+              <a:t>. The real root file system is under /</a:t>
+            </a:r>
+            <a:r>
+              <a:rPr lang="en-US" sz="2000" dirty="0" err="1" smtClean="0">
+                <a:solidFill>
+                  <a:schemeClr val="accent6"/>
+                </a:solidFill>
+              </a:rPr>
+              <a:t>sysroot</a:t>
+            </a:r>
+            <a:r>
+              <a:rPr lang="en-US" sz="2000" dirty="0" smtClean="0">
+                <a:solidFill>
+                  <a:schemeClr val="accent6"/>
+                </a:solidFill>
+              </a:rPr>
+              <a:t/>
+            </a:r>
+            <a:br>
+              <a:rPr lang="en-US" sz="2000" dirty="0" smtClean="0">
+                <a:solidFill>
+                  <a:schemeClr val="accent6"/>
+                </a:solidFill>
+              </a:rPr>
+            </a:br>
+            <a:r>
+              <a:rPr lang="en-US" sz="2000" dirty="0" smtClean="0">
+                <a:solidFill>
+                  <a:schemeClr val="accent6"/>
+                </a:solidFill>
+              </a:rPr>
+              <a:t>1. ls</a:t>
+            </a:r>
+            <a:br>
+              <a:rPr lang="en-US" sz="2000" dirty="0" smtClean="0">
+                <a:solidFill>
+                  <a:schemeClr val="accent6"/>
+                </a:solidFill>
+              </a:rPr>
+            </a:br>
+            <a:r>
+              <a:rPr lang="en-US" sz="2000" dirty="0" smtClean="0">
+                <a:solidFill>
+                  <a:schemeClr val="accent6"/>
+                </a:solidFill>
+              </a:rPr>
+              <a:t>2.  ls /</a:t>
+            </a:r>
+            <a:r>
+              <a:rPr lang="en-US" sz="2000" dirty="0" err="1" smtClean="0">
+                <a:solidFill>
+                  <a:schemeClr val="accent6"/>
+                </a:solidFill>
+              </a:rPr>
+              <a:t>sysroot</a:t>
+            </a:r>
+            <a:r>
+              <a:rPr lang="en-US" sz="2000" dirty="0" smtClean="0">
+                <a:solidFill>
+                  <a:schemeClr val="accent6"/>
+                </a:solidFill>
+              </a:rPr>
+              <a:t/>
+            </a:r>
+            <a:br>
+              <a:rPr lang="en-US" sz="2000" dirty="0" smtClean="0">
+                <a:solidFill>
+                  <a:schemeClr val="accent6"/>
+                </a:solidFill>
+              </a:rPr>
+            </a:br>
+            <a:r>
+              <a:rPr lang="en-US" sz="2000" dirty="0" smtClean="0">
+                <a:solidFill>
+                  <a:schemeClr val="accent6"/>
+                </a:solidFill>
+              </a:rPr>
+              <a:t>3. mount –o remount, </a:t>
+            </a:r>
+            <a:r>
+              <a:rPr lang="en-US" sz="2000" dirty="0" err="1" smtClean="0">
+                <a:solidFill>
+                  <a:schemeClr val="accent6"/>
+                </a:solidFill>
+              </a:rPr>
+              <a:t>rw</a:t>
+            </a:r>
+            <a:r>
+              <a:rPr lang="en-US" sz="2000" dirty="0" smtClean="0">
+                <a:solidFill>
+                  <a:schemeClr val="accent6"/>
+                </a:solidFill>
+              </a:rPr>
+              <a:t> /</a:t>
+            </a:r>
+            <a:r>
+              <a:rPr lang="en-US" sz="2000" dirty="0" err="1" smtClean="0">
+                <a:solidFill>
+                  <a:schemeClr val="accent6"/>
+                </a:solidFill>
+              </a:rPr>
+              <a:t>sysroot</a:t>
+            </a:r>
+            <a:r>
+              <a:rPr lang="en-US" sz="2000" dirty="0" smtClean="0">
+                <a:solidFill>
+                  <a:schemeClr val="accent6"/>
+                </a:solidFill>
+              </a:rPr>
+              <a:t> (make /</a:t>
+            </a:r>
+            <a:r>
+              <a:rPr lang="en-US" sz="2000" dirty="0" err="1" smtClean="0">
+                <a:solidFill>
+                  <a:schemeClr val="accent6"/>
+                </a:solidFill>
+              </a:rPr>
+              <a:t>sysroot</a:t>
+            </a:r>
+            <a:r>
+              <a:rPr lang="en-US" sz="2000" dirty="0" smtClean="0">
+                <a:solidFill>
+                  <a:schemeClr val="accent6"/>
+                </a:solidFill>
+              </a:rPr>
+              <a:t> available for writing)</a:t>
+            </a:r>
+            <a:br>
+              <a:rPr lang="en-US" sz="2000" dirty="0" smtClean="0">
+                <a:solidFill>
+                  <a:schemeClr val="accent6"/>
+                </a:solidFill>
+              </a:rPr>
+            </a:br>
+            <a:r>
+              <a:rPr lang="en-US" sz="2000" dirty="0" smtClean="0">
+                <a:solidFill>
+                  <a:schemeClr val="accent6"/>
+                </a:solidFill>
+              </a:rPr>
+              <a:t>4. </a:t>
+            </a:r>
+            <a:r>
+              <a:rPr lang="en-US" sz="2000" dirty="0" err="1" smtClean="0">
+                <a:solidFill>
+                  <a:schemeClr val="accent6"/>
+                </a:solidFill>
+              </a:rPr>
+              <a:t>chroot</a:t>
+            </a:r>
+            <a:r>
+              <a:rPr lang="en-US" sz="2000" dirty="0" smtClean="0">
+                <a:solidFill>
+                  <a:schemeClr val="accent6"/>
+                </a:solidFill>
+              </a:rPr>
+              <a:t> /</a:t>
+            </a:r>
+            <a:r>
+              <a:rPr lang="en-US" sz="2000" dirty="0" err="1" smtClean="0">
+                <a:solidFill>
+                  <a:schemeClr val="accent6"/>
+                </a:solidFill>
+              </a:rPr>
+              <a:t>sysroot</a:t>
+            </a:r>
+            <a:r>
+              <a:rPr lang="en-US" sz="2000" dirty="0" smtClean="0">
+                <a:solidFill>
+                  <a:schemeClr val="accent6"/>
+                </a:solidFill>
+              </a:rPr>
+              <a:t> </a:t>
+            </a:r>
+            <a:br>
+              <a:rPr lang="en-US" sz="2000" dirty="0" smtClean="0">
+                <a:solidFill>
+                  <a:schemeClr val="accent6"/>
+                </a:solidFill>
+              </a:rPr>
+            </a:br>
+            <a:r>
+              <a:rPr lang="en-US" sz="2000" dirty="0" smtClean="0">
+                <a:solidFill>
+                  <a:schemeClr val="accent6"/>
+                </a:solidFill>
+              </a:rPr>
+              <a:t>5. </a:t>
+            </a:r>
+            <a:r>
+              <a:rPr lang="en-US" sz="2000" dirty="0" err="1" smtClean="0">
+                <a:solidFill>
+                  <a:schemeClr val="accent6"/>
+                </a:solidFill>
+              </a:rPr>
+              <a:t>passwd</a:t>
+            </a:r>
+            <a:r>
+              <a:rPr lang="en-US" sz="2000" dirty="0" smtClean="0">
+                <a:solidFill>
+                  <a:schemeClr val="accent6"/>
+                </a:solidFill>
+              </a:rPr>
+              <a:t/>
+            </a:r>
+            <a:br>
+              <a:rPr lang="en-US" sz="2000" dirty="0" smtClean="0">
+                <a:solidFill>
+                  <a:schemeClr val="accent6"/>
+                </a:solidFill>
+              </a:rPr>
+            </a:br>
+            <a:r>
+              <a:rPr lang="en-US" sz="2000" dirty="0" smtClean="0">
+                <a:solidFill>
+                  <a:schemeClr val="accent6"/>
+                </a:solidFill>
+              </a:rPr>
+              <a:t>6. touch /.</a:t>
+            </a:r>
+            <a:r>
+              <a:rPr lang="en-US" sz="2000" dirty="0" err="1" smtClean="0">
+                <a:solidFill>
+                  <a:schemeClr val="accent6"/>
+                </a:solidFill>
+              </a:rPr>
+              <a:t>autorelabel</a:t>
+            </a:r>
+            <a:r>
+              <a:rPr lang="en-US" sz="2000" dirty="0" smtClean="0">
+                <a:solidFill>
+                  <a:schemeClr val="accent6"/>
+                </a:solidFill>
+              </a:rPr>
+              <a:t> ( needed for </a:t>
+            </a:r>
+            <a:r>
+              <a:rPr lang="en-US" sz="2000" dirty="0" err="1" smtClean="0">
+                <a:solidFill>
+                  <a:schemeClr val="accent6"/>
+                </a:solidFill>
+              </a:rPr>
+              <a:t>SELinux</a:t>
+            </a:r>
+            <a:r>
+              <a:rPr lang="en-US" sz="2000" dirty="0" smtClean="0">
+                <a:solidFill>
+                  <a:schemeClr val="accent6"/>
+                </a:solidFill>
+              </a:rPr>
+              <a:t>, outside of the scope of the course. )</a:t>
+            </a:r>
+            <a:br>
+              <a:rPr lang="en-US" sz="2000" dirty="0" smtClean="0">
+                <a:solidFill>
+                  <a:schemeClr val="accent6"/>
+                </a:solidFill>
+              </a:rPr>
+            </a:br>
+            <a:r>
+              <a:rPr lang="en-US" sz="2000" dirty="0" smtClean="0">
+                <a:solidFill>
+                  <a:schemeClr val="accent6"/>
+                </a:solidFill>
+              </a:rPr>
+              <a:t>7. exit</a:t>
+            </a:r>
+            <a:br>
+              <a:rPr lang="en-US" sz="2000" dirty="0" smtClean="0">
+                <a:solidFill>
+                  <a:schemeClr val="accent6"/>
+                </a:solidFill>
+              </a:rPr>
+            </a:br>
+            <a:r>
+              <a:rPr lang="en-US" sz="2000" dirty="0" smtClean="0">
+                <a:solidFill>
+                  <a:schemeClr val="accent6"/>
+                </a:solidFill>
+              </a:rPr>
+              <a:t>8. exit</a:t>
+            </a:r>
+            <a:endParaRPr lang="en-US" sz="2000" dirty="0">
+              <a:solidFill>
+                <a:schemeClr val="accent6"/>
+              </a:solidFill>
+            </a:endParaRPr>
+          </a:p>
+        </p:txBody>
+      </p:sp>
+      <p:sp>
+        <p:nvSpPr>
+          <p:cNvPr id="3" name="Content Placeholder 2"/>
+          <p:cNvSpPr>
+            <a:spLocks noGrp="1"/>
+          </p:cNvSpPr>
+          <p:nvPr>
+            <p:ph idx="1"/>
+          </p:nvPr>
+        </p:nvSpPr>
+        <p:spPr/>
+        <p:txBody>
+          <a:bodyPr/>
+          <a:lstStyle/>
+          <a:p>
+            <a:endParaRPr lang="en-US" dirty="0" smtClean="0"/>
+          </a:p>
+          <a:p>
+            <a:endParaRPr lang="en-US" dirty="0"/>
+          </a:p>
+        </p:txBody>
+      </p:sp>
+    </p:spTree>
+    <p:extLst>
+      <p:ext uri="{BB962C8B-B14F-4D97-AF65-F5344CB8AC3E}">
+        <p14:creationId xmlns:p14="http://schemas.microsoft.com/office/powerpoint/2010/main" val="3538451417"/>
       </p:ext>
     </p:extLst>
   </p:cSld>

--- a/10.SystemDAndTheBootProcedure/10-SystemDAndTheBootProcedure.pptx
+++ b/10.SystemDAndTheBootProcedure/10-SystemDAndTheBootProcedure.pptx
@@ -4614,15 +4614,7 @@
                   <a:schemeClr val="accent6"/>
                 </a:solidFill>
               </a:rPr>
-              <a:t> </a:t>
-            </a:r>
-            <a:r>
-              <a:rPr lang="en-US" sz="2000" dirty="0" smtClean="0">
-                <a:solidFill>
-                  <a:schemeClr val="accent6"/>
-                </a:solidFill>
-              </a:rPr>
-              <a:t>is that it provides a uniform interface to start unites. This </a:t>
+              <a:t> is that it provides a uniform interface to start unites. This </a:t>
             </a:r>
             <a:r>
               <a:rPr lang="en-US" sz="2000" dirty="0" err="1" smtClean="0">
@@ -6283,7 +6275,12 @@
             <p:ph type="ctrTitle"/>
           </p:nvPr>
         </p:nvSpPr>
-        <p:spPr/>
+        <p:spPr>
+          <a:xfrm>
+            <a:off x="533400" y="2133600"/>
+            <a:ext cx="7772400" cy="1470025"/>
+          </a:xfrm>
+        </p:spPr>
         <p:txBody>
           <a:bodyPr>
             <a:noAutofit/>
